--- a/BCI - Day16 - Data Design & IPFS.pptx
+++ b/BCI - Day16 - Data Design & IPFS.pptx
@@ -11,13 +11,16 @@
     <p:sldId id="1833" r:id="rId3"/>
     <p:sldId id="1387" r:id="rId4"/>
     <p:sldId id="1979" r:id="rId6"/>
-    <p:sldId id="1996" r:id="rId7"/>
-    <p:sldId id="1995" r:id="rId8"/>
-    <p:sldId id="1997" r:id="rId9"/>
-    <p:sldId id="1998" r:id="rId10"/>
-    <p:sldId id="1999" r:id="rId11"/>
-    <p:sldId id="2001" r:id="rId12"/>
-    <p:sldId id="2000" r:id="rId13"/>
+    <p:sldId id="2004" r:id="rId7"/>
+    <p:sldId id="2005" r:id="rId8"/>
+    <p:sldId id="2003" r:id="rId9"/>
+    <p:sldId id="1996" r:id="rId10"/>
+    <p:sldId id="1995" r:id="rId11"/>
+    <p:sldId id="1997" r:id="rId12"/>
+    <p:sldId id="1998" r:id="rId13"/>
+    <p:sldId id="1999" r:id="rId14"/>
+    <p:sldId id="2001" r:id="rId15"/>
+    <p:sldId id="2000" r:id="rId16"/>
   </p:sldIdLst>
   <p:sldSz cx="9144000" cy="6858000" type="screen4x3"/>
   <p:notesSz cx="7315200" cy="9601200"/>
@@ -7332,1192 +7335,6 @@
         </p:spPr>
         <p:txBody>
           <a:bodyPr>
-            <a:normAutofit/>
-          </a:bodyPr>
-          <a:lstStyle/>
-          <a:p>
-            <a:pPr marL="228600" lvl="0" indent="-228600" defTabSz="342900">
-              <a:lnSpc>
-                <a:spcPct val="120000"/>
-              </a:lnSpc>
-              <a:buFont typeface="Arial" panose="020B0604020202020204" pitchFamily="34" charset="0"/>
-              <a:buChar char="•"/>
-            </a:pPr>
-            <a:r>
-              <a:rPr lang="en-US" altLang="en-US" sz="1800" dirty="0">
-                <a:solidFill>
-                  <a:srgbClr val="262626"/>
-                </a:solidFill>
-              </a:rPr>
-              <a:t>1) A struct, for record details. It will contain all the fields except the key.</a:t>
-            </a:r>
-            <a:endParaRPr lang="en-US" altLang="en-US" sz="1800" dirty="0">
-              <a:solidFill>
-                <a:srgbClr val="262626"/>
-              </a:solidFill>
-            </a:endParaRPr>
-          </a:p>
-          <a:p>
-            <a:pPr marL="228600" lvl="0" indent="-228600" defTabSz="342900">
-              <a:lnSpc>
-                <a:spcPct val="120000"/>
-              </a:lnSpc>
-              <a:buFont typeface="Arial" panose="020B0604020202020204" pitchFamily="34" charset="0"/>
-              <a:buChar char="•"/>
-            </a:pPr>
-            <a:endParaRPr lang="en-US" altLang="en-US" sz="1800" dirty="0">
-              <a:solidFill>
-                <a:srgbClr val="262626"/>
-              </a:solidFill>
-            </a:endParaRPr>
-          </a:p>
-          <a:p>
-            <a:pPr marL="228600" lvl="0" indent="-228600" defTabSz="342900">
-              <a:lnSpc>
-                <a:spcPct val="120000"/>
-              </a:lnSpc>
-              <a:buFont typeface="Arial" panose="020B0604020202020204" pitchFamily="34" charset="0"/>
-              <a:buChar char="•"/>
-            </a:pPr>
-            <a:r>
-              <a:rPr lang="en-US" altLang="en-US" sz="1800" dirty="0">
-                <a:solidFill>
-                  <a:srgbClr val="262626"/>
-                </a:solidFill>
-              </a:rPr>
-              <a:t>2) A mapping of keys to struct instances.</a:t>
-            </a:r>
-            <a:endParaRPr lang="en-US" altLang="en-US" sz="1800" dirty="0">
-              <a:solidFill>
-                <a:srgbClr val="262626"/>
-              </a:solidFill>
-            </a:endParaRPr>
-          </a:p>
-          <a:p>
-            <a:pPr marL="228600" lvl="0" indent="-228600" defTabSz="342900">
-              <a:lnSpc>
-                <a:spcPct val="120000"/>
-              </a:lnSpc>
-              <a:buFont typeface="Arial" panose="020B0604020202020204" pitchFamily="34" charset="0"/>
-              <a:buChar char="•"/>
-            </a:pPr>
-            <a:endParaRPr lang="en-US" altLang="en-US" sz="1800" dirty="0">
-              <a:solidFill>
-                <a:srgbClr val="262626"/>
-              </a:solidFill>
-            </a:endParaRPr>
-          </a:p>
-          <a:p>
-            <a:pPr marL="228600" lvl="0" indent="-228600" defTabSz="342900">
-              <a:lnSpc>
-                <a:spcPct val="120000"/>
-              </a:lnSpc>
-              <a:buFont typeface="Arial" panose="020B0604020202020204" pitchFamily="34" charset="0"/>
-              <a:buChar char="•"/>
-            </a:pPr>
-            <a:r>
-              <a:rPr lang="en-US" altLang="en-US" sz="1800" dirty="0">
-                <a:solidFill>
-                  <a:srgbClr val="262626"/>
-                </a:solidFill>
-              </a:rPr>
-              <a:t>3) An array that will be an unordered index of keys. In the example, these are user addresses.</a:t>
-            </a:r>
-            <a:endParaRPr lang="en-US" altLang="en-US" sz="1800" dirty="0">
-              <a:solidFill>
-                <a:srgbClr val="262626"/>
-              </a:solidFill>
-            </a:endParaRPr>
-          </a:p>
-          <a:p>
-            <a:pPr marL="228600" lvl="0" indent="-228600" defTabSz="342900">
-              <a:lnSpc>
-                <a:spcPct val="120000"/>
-              </a:lnSpc>
-              <a:buFont typeface="Arial" panose="020B0604020202020204" pitchFamily="34" charset="0"/>
-              <a:buChar char="•"/>
-            </a:pPr>
-            <a:endParaRPr lang="en-US" altLang="en-US" sz="1800" dirty="0">
-              <a:solidFill>
-                <a:srgbClr val="262626"/>
-              </a:solidFill>
-            </a:endParaRPr>
-          </a:p>
-        </p:txBody>
-      </p:sp>
-    </p:spTree>
-  </p:cSld>
-  <p:clrMapOvr>
-    <a:masterClrMapping/>
-  </p:clrMapOvr>
-</p:sld>
-</file>
-
-<file path=ppt/slides/slide2.xml><?xml version="1.0" encoding="utf-8"?>
-<p:sld xmlns:a="http://schemas.openxmlformats.org/drawingml/2006/main" xmlns:r="http://schemas.openxmlformats.org/officeDocument/2006/relationships" xmlns:p="http://schemas.openxmlformats.org/presentationml/2006/main">
-  <p:cSld>
-    <p:spTree>
-      <p:nvGrpSpPr>
-        <p:cNvPr id="1" name=""/>
-        <p:cNvGrpSpPr/>
-        <p:nvPr/>
-      </p:nvGrpSpPr>
-      <p:grpSpPr>
-        <a:xfrm>
-          <a:off x="0" y="0"/>
-          <a:ext cx="0" cy="0"/>
-          <a:chOff x="0" y="0"/>
-          <a:chExt cx="0" cy="0"/>
-        </a:xfrm>
-      </p:grpSpPr>
-      <p:sp>
-        <p:nvSpPr>
-          <p:cNvPr id="21505" name="Title 1"/>
-          <p:cNvSpPr>
-            <a:spLocks noGrp="1"/>
-          </p:cNvSpPr>
-          <p:nvPr>
-            <p:ph type="title"/>
-          </p:nvPr>
-        </p:nvSpPr>
-        <p:spPr>
-          <a:xfrm>
-            <a:off x="233363" y="308848"/>
-            <a:ext cx="8227219" cy="327422"/>
-          </a:xfrm>
-        </p:spPr>
-        <p:txBody>
-          <a:bodyPr vert="horz" lIns="0" tIns="0" rIns="0" bIns="0" rtlCol="0" anchor="ctr">
-            <a:normAutofit fontScale="90000"/>
-          </a:bodyPr>
-          <a:lstStyle/>
-          <a:p>
-            <a:pPr algn="ctr"/>
-            <a:r>
-              <a:rPr lang="en-US" altLang="zh-CN" sz="3200" b="1" dirty="0">
-                <a:latin typeface="Calibri" panose="020F0502020204030204" pitchFamily="34" charset="0"/>
-                <a:cs typeface="Calibri" panose="020F0502020204030204" pitchFamily="34" charset="0"/>
-              </a:rPr>
-              <a:t>Outline</a:t>
-            </a:r>
-            <a:endParaRPr lang="en-GB" altLang="zh-CN" sz="3200" b="1" dirty="0">
-              <a:latin typeface="Calibri" panose="020F0502020204030204" pitchFamily="34" charset="0"/>
-              <a:cs typeface="Calibri" panose="020F0502020204030204" pitchFamily="34" charset="0"/>
-            </a:endParaRPr>
-          </a:p>
-        </p:txBody>
-      </p:sp>
-      <p:sp>
-        <p:nvSpPr>
-          <p:cNvPr id="21506" name="文本框 6"/>
-          <p:cNvSpPr txBox="1"/>
-          <p:nvPr/>
-        </p:nvSpPr>
-        <p:spPr>
-          <a:xfrm>
-            <a:off x="246455" y="859156"/>
-            <a:ext cx="8651359" cy="5486400"/>
-          </a:xfrm>
-          <a:prstGeom prst="rect">
-            <a:avLst/>
-          </a:prstGeom>
-          <a:noFill/>
-          <a:ln w="9525">
-            <a:noFill/>
-          </a:ln>
-        </p:spPr>
-        <p:txBody>
-          <a:bodyPr wrap="square" lIns="0" tIns="0" rIns="0" bIns="0" anchor="t"/>
-          <a:lstStyle/>
-          <a:p>
-            <a:pPr marL="171450" lvl="0" indent="-171450" fontAlgn="auto">
-              <a:lnSpc>
-                <a:spcPct val="200000"/>
-              </a:lnSpc>
-              <a:spcBef>
-                <a:spcPts val="700"/>
-              </a:spcBef>
-              <a:buFont typeface="Arial" panose="020B0604020202020204" pitchFamily="34" charset="0"/>
-              <a:buChar char="•"/>
-            </a:pPr>
-            <a:r>
-              <a:rPr lang="en-US" dirty="0"/>
-              <a:t>Dive into Proxy</a:t>
-            </a:r>
-            <a:endParaRPr lang="en-US" dirty="0"/>
-          </a:p>
-          <a:p>
-            <a:pPr marL="171450" lvl="0" indent="-171450" fontAlgn="auto">
-              <a:lnSpc>
-                <a:spcPct val="200000"/>
-              </a:lnSpc>
-              <a:spcBef>
-                <a:spcPts val="700"/>
-              </a:spcBef>
-              <a:buFont typeface="Arial" panose="020B0604020202020204" pitchFamily="34" charset="0"/>
-              <a:buChar char="•"/>
-            </a:pPr>
-            <a:r>
-              <a:rPr lang="en-US" dirty="0"/>
-              <a:t>Web3 Intro</a:t>
-            </a:r>
-            <a:endParaRPr lang="en-US" dirty="0"/>
-          </a:p>
-          <a:p>
-            <a:pPr marL="171450" lvl="0" indent="-171450" fontAlgn="auto">
-              <a:lnSpc>
-                <a:spcPct val="200000"/>
-              </a:lnSpc>
-              <a:spcBef>
-                <a:spcPts val="700"/>
-              </a:spcBef>
-              <a:buFont typeface="Arial" panose="020B0604020202020204" pitchFamily="34" charset="0"/>
-              <a:buChar char="•"/>
-            </a:pPr>
-            <a:r>
-              <a:rPr lang="en-US" dirty="0"/>
-              <a:t>Web3 React Interaction</a:t>
-            </a:r>
-            <a:endParaRPr lang="en-US" dirty="0"/>
-          </a:p>
-        </p:txBody>
-      </p:sp>
-      <p:sp>
-        <p:nvSpPr>
-          <p:cNvPr id="6" name="TextBox 6"/>
-          <p:cNvSpPr txBox="1"/>
-          <p:nvPr/>
-        </p:nvSpPr>
-        <p:spPr>
-          <a:xfrm>
-            <a:off x="25183" y="6636420"/>
-            <a:ext cx="3270445" cy="184664"/>
-          </a:xfrm>
-          <a:prstGeom prst="rect">
-            <a:avLst/>
-          </a:prstGeom>
-          <a:ln w="12700">
-            <a:miter lim="400000"/>
-          </a:ln>
-        </p:spPr>
-        <p:txBody>
-          <a:bodyPr wrap="none" lIns="34289" tIns="34289" rIns="34289" bIns="34289">
-            <a:spAutoFit/>
-          </a:bodyPr>
-          <a:lstStyle>
-            <a:lvl1pPr defTabSz="914400">
-              <a:defRPr sz="1000">
-                <a:solidFill>
-                  <a:srgbClr val="FFFFFF"/>
-                </a:solidFill>
-                <a:latin typeface="Montserrat"/>
-                <a:ea typeface="Montserrat"/>
-                <a:cs typeface="Montserrat"/>
-                <a:sym typeface="Montserrat"/>
-              </a:defRPr>
-            </a:lvl1pPr>
-          </a:lstStyle>
-          <a:p>
-            <a:r>
-              <a:rPr lang="en-US" sz="750" dirty="0">
-                <a:solidFill>
-                  <a:schemeClr val="tx1"/>
-                </a:solidFill>
-                <a:latin typeface="Montserrat" panose="00000500000000000000" pitchFamily="2" charset="0"/>
-              </a:rPr>
-              <a:t>© 2017-2020    SmartMesh Foundation Pte. Ltd.  |  MeshBox Foundation Pte. Ltd.</a:t>
-            </a:r>
-            <a:endParaRPr lang="en-US" sz="750" dirty="0">
-              <a:solidFill>
-                <a:schemeClr val="tx1"/>
-              </a:solidFill>
-              <a:latin typeface="Montserrat" panose="00000500000000000000" pitchFamily="2" charset="0"/>
-              <a:sym typeface="Arial" panose="020B0604020202020204"/>
-            </a:endParaRPr>
-          </a:p>
-        </p:txBody>
-      </p:sp>
-      <p:sp>
-        <p:nvSpPr>
-          <p:cNvPr id="7" name="TextBox 6"/>
-          <p:cNvSpPr txBox="1">
-            <a:spLocks noChangeArrowheads="1"/>
-          </p:cNvSpPr>
-          <p:nvPr/>
-        </p:nvSpPr>
-        <p:spPr bwMode="auto">
-          <a:xfrm>
-            <a:off x="7872314" y="6569155"/>
-            <a:ext cx="1289447" cy="253916"/>
-          </a:xfrm>
-          <a:prstGeom prst="rect">
-            <a:avLst/>
-          </a:prstGeom>
-          <a:noFill/>
-          <a:ln w="9525">
-            <a:noFill/>
-            <a:miter lim="800000"/>
-          </a:ln>
-        </p:spPr>
-        <p:txBody>
-          <a:bodyPr>
-            <a:spAutoFit/>
-          </a:bodyPr>
-          <a:lstStyle/>
-          <a:p>
-            <a:pPr algn="r"/>
-            <a:fld id="{6F888031-CE6A-4173-BB2B-520974F34056}" type="slidenum">
-              <a:rPr lang="en-GB" sz="1050">
-                <a:latin typeface="Calibri" panose="020F0502020204030204" pitchFamily="34" charset="0"/>
-              </a:rPr>
-            </a:fld>
-            <a:endParaRPr lang="en-GB" sz="1050" dirty="0">
-              <a:latin typeface="Calibri" panose="020F0502020204030204" pitchFamily="34" charset="0"/>
-            </a:endParaRPr>
-          </a:p>
-        </p:txBody>
-      </p:sp>
-    </p:spTree>
-  </p:cSld>
-  <p:clrMapOvr>
-    <a:masterClrMapping/>
-  </p:clrMapOvr>
-  <p:transition spd="med">
-    <p:fade/>
-  </p:transition>
-</p:sld>
-</file>
-
-<file path=ppt/slides/slide3.xml><?xml version="1.0" encoding="utf-8"?>
-<p:sld xmlns:a="http://schemas.openxmlformats.org/drawingml/2006/main" xmlns:r="http://schemas.openxmlformats.org/officeDocument/2006/relationships" xmlns:p="http://schemas.openxmlformats.org/presentationml/2006/main">
-  <p:cSld>
-    <p:spTree>
-      <p:nvGrpSpPr>
-        <p:cNvPr id="1" name=""/>
-        <p:cNvGrpSpPr/>
-        <p:nvPr/>
-      </p:nvGrpSpPr>
-      <p:grpSpPr>
-        <a:xfrm>
-          <a:off x="0" y="0"/>
-          <a:ext cx="0" cy="0"/>
-          <a:chOff x="0" y="0"/>
-          <a:chExt cx="0" cy="0"/>
-        </a:xfrm>
-      </p:grpSpPr>
-      <p:sp>
-        <p:nvSpPr>
-          <p:cNvPr id="2" name="Title 1"/>
-          <p:cNvSpPr>
-            <a:spLocks noGrp="1"/>
-          </p:cNvSpPr>
-          <p:nvPr>
-            <p:ph type="title"/>
-          </p:nvPr>
-        </p:nvSpPr>
-        <p:spPr>
-          <a:xfrm>
-            <a:off x="628650" y="155263"/>
-            <a:ext cx="7886700" cy="526790"/>
-          </a:xfrm>
-        </p:spPr>
-        <p:txBody>
-          <a:bodyPr>
-            <a:normAutofit fontScale="90000"/>
-          </a:bodyPr>
-          <a:lstStyle/>
-          <a:p>
-            <a:pPr algn="ctr"/>
-            <a:r>
-              <a:rPr lang="en-US" sz="3200" b="1" dirty="0">
-                <a:latin typeface="Calibri" panose="020F0502020204030204" pitchFamily="34" charset="0"/>
-                <a:cs typeface="Calibri" panose="020F0502020204030204" pitchFamily="34" charset="0"/>
-              </a:rPr>
-              <a:t>DataBase Design</a:t>
-            </a:r>
-            <a:endParaRPr lang="en-US" sz="3200" b="1" dirty="0">
-              <a:latin typeface="Calibri" panose="020F0502020204030204" pitchFamily="34" charset="0"/>
-              <a:cs typeface="Calibri" panose="020F0502020204030204" pitchFamily="34" charset="0"/>
-            </a:endParaRPr>
-          </a:p>
-        </p:txBody>
-      </p:sp>
-      <p:sp>
-        <p:nvSpPr>
-          <p:cNvPr id="3" name="Content Placeholder 2"/>
-          <p:cNvSpPr>
-            <a:spLocks noGrp="1"/>
-          </p:cNvSpPr>
-          <p:nvPr>
-            <p:ph idx="1"/>
-          </p:nvPr>
-        </p:nvSpPr>
-        <p:spPr>
-          <a:xfrm>
-            <a:off x="628650" y="989044"/>
-            <a:ext cx="7886700" cy="5605719"/>
-          </a:xfrm>
-        </p:spPr>
-        <p:txBody>
-          <a:bodyPr>
-            <a:normAutofit lnSpcReduction="10000"/>
-          </a:bodyPr>
-          <a:lstStyle/>
-          <a:p>
-            <a:pPr marL="228600" lvl="0" indent="-228600" defTabSz="342900">
-              <a:lnSpc>
-                <a:spcPct val="120000"/>
-              </a:lnSpc>
-              <a:buFont typeface="Arial" panose="020B0604020202020204" pitchFamily="34" charset="0"/>
-              <a:buChar char="•"/>
-            </a:pPr>
-            <a:r>
-              <a:rPr lang="en-US" altLang="en-US" sz="1540" dirty="0">
-                <a:solidFill>
-                  <a:srgbClr val="262626"/>
-                </a:solidFill>
-              </a:rPr>
-              <a:t>Embedded Data Models:  you may embed related data in a single structure or document</a:t>
-            </a:r>
-            <a:endParaRPr lang="en-US" altLang="en-US" sz="1540" dirty="0">
-              <a:solidFill>
-                <a:srgbClr val="262626"/>
-              </a:solidFill>
-            </a:endParaRPr>
-          </a:p>
-          <a:p>
-            <a:pPr marL="228600" lvl="0" indent="-228600" defTabSz="342900">
-              <a:lnSpc>
-                <a:spcPct val="120000"/>
-              </a:lnSpc>
-              <a:buFont typeface="Arial" panose="020B0604020202020204" pitchFamily="34" charset="0"/>
-              <a:buChar char="•"/>
-            </a:pPr>
-            <a:endParaRPr lang="en-US" altLang="en-US" sz="1540" dirty="0">
-              <a:solidFill>
-                <a:srgbClr val="262626"/>
-              </a:solidFill>
-            </a:endParaRPr>
-          </a:p>
-          <a:p>
-            <a:pPr marL="228600" lvl="0" indent="-228600" defTabSz="342900">
-              <a:lnSpc>
-                <a:spcPct val="120000"/>
-              </a:lnSpc>
-              <a:buFont typeface="Arial" panose="020B0604020202020204" pitchFamily="34" charset="0"/>
-              <a:buChar char="•"/>
-            </a:pPr>
-            <a:endParaRPr lang="en-US" altLang="en-US" sz="1540" dirty="0">
-              <a:solidFill>
-                <a:srgbClr val="262626"/>
-              </a:solidFill>
-            </a:endParaRPr>
-          </a:p>
-          <a:p>
-            <a:pPr marL="228600" lvl="0" indent="-228600" defTabSz="342900">
-              <a:lnSpc>
-                <a:spcPct val="120000"/>
-              </a:lnSpc>
-              <a:buFont typeface="Arial" panose="020B0604020202020204" pitchFamily="34" charset="0"/>
-              <a:buChar char="•"/>
-            </a:pPr>
-            <a:endParaRPr lang="en-US" altLang="en-US" sz="1540" dirty="0">
-              <a:solidFill>
-                <a:srgbClr val="262626"/>
-              </a:solidFill>
-            </a:endParaRPr>
-          </a:p>
-          <a:p>
-            <a:pPr marL="228600" lvl="0" indent="-228600" defTabSz="342900">
-              <a:lnSpc>
-                <a:spcPct val="120000"/>
-              </a:lnSpc>
-              <a:buFont typeface="Arial" panose="020B0604020202020204" pitchFamily="34" charset="0"/>
-              <a:buChar char="•"/>
-            </a:pPr>
-            <a:endParaRPr lang="en-US" altLang="en-US" sz="1540" dirty="0">
-              <a:solidFill>
-                <a:srgbClr val="262626"/>
-              </a:solidFill>
-            </a:endParaRPr>
-          </a:p>
-          <a:p>
-            <a:pPr marL="228600" lvl="0" indent="-228600" defTabSz="342900">
-              <a:lnSpc>
-                <a:spcPct val="120000"/>
-              </a:lnSpc>
-              <a:buFont typeface="Arial" panose="020B0604020202020204" pitchFamily="34" charset="0"/>
-              <a:buChar char="•"/>
-            </a:pPr>
-            <a:endParaRPr lang="en-US" altLang="en-US" sz="1540" dirty="0">
-              <a:solidFill>
-                <a:srgbClr val="262626"/>
-              </a:solidFill>
-            </a:endParaRPr>
-          </a:p>
-          <a:p>
-            <a:pPr marL="228600" lvl="0" indent="-228600" defTabSz="342900">
-              <a:lnSpc>
-                <a:spcPct val="120000"/>
-              </a:lnSpc>
-              <a:buFont typeface="Arial" panose="020B0604020202020204" pitchFamily="34" charset="0"/>
-              <a:buChar char="•"/>
-            </a:pPr>
-            <a:endParaRPr lang="en-US" altLang="en-US" sz="1540" dirty="0">
-              <a:solidFill>
-                <a:srgbClr val="262626"/>
-              </a:solidFill>
-            </a:endParaRPr>
-          </a:p>
-          <a:p>
-            <a:pPr marL="0" lvl="0" indent="0" defTabSz="342900">
-              <a:lnSpc>
-                <a:spcPct val="120000"/>
-              </a:lnSpc>
-              <a:buFont typeface="Arial" panose="020B0604020202020204" pitchFamily="34" charset="0"/>
-              <a:buNone/>
-            </a:pPr>
-            <a:endParaRPr lang="en-US" altLang="en-US" sz="1540" dirty="0">
-              <a:solidFill>
-                <a:srgbClr val="262626"/>
-              </a:solidFill>
-            </a:endParaRPr>
-          </a:p>
-        </p:txBody>
-      </p:sp>
-      <p:pic>
-        <p:nvPicPr>
-          <p:cNvPr id="7" name="图片 6"/>
-          <p:cNvPicPr>
-            <a:picLocks noChangeAspect="1"/>
-          </p:cNvPicPr>
-          <p:nvPr/>
-        </p:nvPicPr>
-        <p:blipFill>
-          <a:blip r:embed="rId1"/>
-          <a:stretch>
-            <a:fillRect/>
-          </a:stretch>
-        </p:blipFill>
-        <p:spPr>
-          <a:xfrm>
-            <a:off x="1181100" y="1624330"/>
-            <a:ext cx="6781800" cy="3609975"/>
-          </a:xfrm>
-          <a:prstGeom prst="rect">
-            <a:avLst/>
-          </a:prstGeom>
-        </p:spPr>
-      </p:pic>
-    </p:spTree>
-  </p:cSld>
-  <p:clrMapOvr>
-    <a:masterClrMapping/>
-  </p:clrMapOvr>
-</p:sld>
-</file>
-
-<file path=ppt/slides/slide4.xml><?xml version="1.0" encoding="utf-8"?>
-<p:sld xmlns:a="http://schemas.openxmlformats.org/drawingml/2006/main" xmlns:r="http://schemas.openxmlformats.org/officeDocument/2006/relationships" xmlns:p="http://schemas.openxmlformats.org/presentationml/2006/main">
-  <p:cSld>
-    <p:spTree>
-      <p:nvGrpSpPr>
-        <p:cNvPr id="1" name=""/>
-        <p:cNvGrpSpPr/>
-        <p:nvPr/>
-      </p:nvGrpSpPr>
-      <p:grpSpPr>
-        <a:xfrm>
-          <a:off x="0" y="0"/>
-          <a:ext cx="0" cy="0"/>
-          <a:chOff x="0" y="0"/>
-          <a:chExt cx="0" cy="0"/>
-        </a:xfrm>
-      </p:grpSpPr>
-      <p:sp>
-        <p:nvSpPr>
-          <p:cNvPr id="2" name="Title 1"/>
-          <p:cNvSpPr>
-            <a:spLocks noGrp="1"/>
-          </p:cNvSpPr>
-          <p:nvPr>
-            <p:ph type="title"/>
-          </p:nvPr>
-        </p:nvSpPr>
-        <p:spPr>
-          <a:xfrm>
-            <a:off x="628650" y="155263"/>
-            <a:ext cx="7886700" cy="526790"/>
-          </a:xfrm>
-        </p:spPr>
-        <p:txBody>
-          <a:bodyPr>
-            <a:normAutofit fontScale="90000"/>
-          </a:bodyPr>
-          <a:lstStyle/>
-          <a:p>
-            <a:pPr algn="ctr"/>
-            <a:r>
-              <a:rPr lang="en-US" sz="3200" b="1" dirty="0">
-                <a:latin typeface="Calibri" panose="020F0502020204030204" pitchFamily="34" charset="0"/>
-                <a:cs typeface="Calibri" panose="020F0502020204030204" pitchFamily="34" charset="0"/>
-              </a:rPr>
-              <a:t>DataBase Design</a:t>
-            </a:r>
-            <a:endParaRPr lang="en-US" sz="3200" b="1" dirty="0">
-              <a:latin typeface="Calibri" panose="020F0502020204030204" pitchFamily="34" charset="0"/>
-              <a:cs typeface="Calibri" panose="020F0502020204030204" pitchFamily="34" charset="0"/>
-            </a:endParaRPr>
-          </a:p>
-        </p:txBody>
-      </p:sp>
-      <p:sp>
-        <p:nvSpPr>
-          <p:cNvPr id="3" name="Content Placeholder 2"/>
-          <p:cNvSpPr>
-            <a:spLocks noGrp="1"/>
-          </p:cNvSpPr>
-          <p:nvPr>
-            <p:ph idx="1"/>
-          </p:nvPr>
-        </p:nvSpPr>
-        <p:spPr>
-          <a:xfrm>
-            <a:off x="628650" y="989044"/>
-            <a:ext cx="7886700" cy="5605719"/>
-          </a:xfrm>
-        </p:spPr>
-        <p:txBody>
-          <a:bodyPr>
-            <a:normAutofit lnSpcReduction="10000"/>
-          </a:bodyPr>
-          <a:lstStyle/>
-          <a:p>
-            <a:pPr marL="228600" lvl="0" indent="-228600" defTabSz="342900">
-              <a:lnSpc>
-                <a:spcPct val="120000"/>
-              </a:lnSpc>
-              <a:buFont typeface="Arial" panose="020B0604020202020204" pitchFamily="34" charset="0"/>
-              <a:buChar char="•"/>
-            </a:pPr>
-            <a:r>
-              <a:rPr lang="en-US" altLang="en-US" sz="1540" dirty="0">
-                <a:solidFill>
-                  <a:srgbClr val="262626"/>
-                </a:solidFill>
-              </a:rPr>
-              <a:t>Normalized Data Models: Normalized data models describe relationships using references between documents</a:t>
-            </a:r>
-            <a:endParaRPr lang="en-US" altLang="en-US" sz="1540" dirty="0">
-              <a:solidFill>
-                <a:srgbClr val="262626"/>
-              </a:solidFill>
-            </a:endParaRPr>
-          </a:p>
-          <a:p>
-            <a:pPr marL="228600" lvl="0" indent="-228600" defTabSz="342900">
-              <a:lnSpc>
-                <a:spcPct val="120000"/>
-              </a:lnSpc>
-              <a:buFont typeface="Arial" panose="020B0604020202020204" pitchFamily="34" charset="0"/>
-              <a:buChar char="•"/>
-            </a:pPr>
-            <a:endParaRPr lang="en-US" altLang="en-US" sz="1540" dirty="0">
-              <a:solidFill>
-                <a:srgbClr val="262626"/>
-              </a:solidFill>
-            </a:endParaRPr>
-          </a:p>
-        </p:txBody>
-      </p:sp>
-      <p:pic>
-        <p:nvPicPr>
-          <p:cNvPr id="5" name="图片 4"/>
-          <p:cNvPicPr>
-            <a:picLocks noChangeAspect="1"/>
-          </p:cNvPicPr>
-          <p:nvPr/>
-        </p:nvPicPr>
-        <p:blipFill>
-          <a:blip r:embed="rId1"/>
-          <a:stretch>
-            <a:fillRect/>
-          </a:stretch>
-        </p:blipFill>
-        <p:spPr>
-          <a:xfrm>
-            <a:off x="1066800" y="1687195"/>
-            <a:ext cx="7010400" cy="4210050"/>
-          </a:xfrm>
-          <a:prstGeom prst="rect">
-            <a:avLst/>
-          </a:prstGeom>
-        </p:spPr>
-      </p:pic>
-    </p:spTree>
-  </p:cSld>
-  <p:clrMapOvr>
-    <a:masterClrMapping/>
-  </p:clrMapOvr>
-</p:sld>
-</file>
-
-<file path=ppt/slides/slide5.xml><?xml version="1.0" encoding="utf-8"?>
-<p:sld xmlns:a="http://schemas.openxmlformats.org/drawingml/2006/main" xmlns:r="http://schemas.openxmlformats.org/officeDocument/2006/relationships" xmlns:p="http://schemas.openxmlformats.org/presentationml/2006/main">
-  <p:cSld>
-    <p:spTree>
-      <p:nvGrpSpPr>
-        <p:cNvPr id="1" name=""/>
-        <p:cNvGrpSpPr/>
-        <p:nvPr/>
-      </p:nvGrpSpPr>
-      <p:grpSpPr>
-        <a:xfrm>
-          <a:off x="0" y="0"/>
-          <a:ext cx="0" cy="0"/>
-          <a:chOff x="0" y="0"/>
-          <a:chExt cx="0" cy="0"/>
-        </a:xfrm>
-      </p:grpSpPr>
-      <p:sp>
-        <p:nvSpPr>
-          <p:cNvPr id="2" name="Title 1"/>
-          <p:cNvSpPr>
-            <a:spLocks noGrp="1"/>
-          </p:cNvSpPr>
-          <p:nvPr>
-            <p:ph type="title"/>
-          </p:nvPr>
-        </p:nvSpPr>
-        <p:spPr>
-          <a:xfrm>
-            <a:off x="628650" y="155263"/>
-            <a:ext cx="7886700" cy="526790"/>
-          </a:xfrm>
-        </p:spPr>
-        <p:txBody>
-          <a:bodyPr>
-            <a:normAutofit fontScale="90000"/>
-          </a:bodyPr>
-          <a:lstStyle/>
-          <a:p>
-            <a:pPr algn="ctr"/>
-            <a:r>
-              <a:rPr lang="en-US" sz="3200" b="1" dirty="0">
-                <a:latin typeface="Calibri" panose="020F0502020204030204" pitchFamily="34" charset="0"/>
-                <a:cs typeface="Calibri" panose="020F0502020204030204" pitchFamily="34" charset="0"/>
-              </a:rPr>
-              <a:t>DataBase Design</a:t>
-            </a:r>
-            <a:endParaRPr lang="en-US" sz="3200" b="1" dirty="0">
-              <a:latin typeface="Calibri" panose="020F0502020204030204" pitchFamily="34" charset="0"/>
-              <a:cs typeface="Calibri" panose="020F0502020204030204" pitchFamily="34" charset="0"/>
-            </a:endParaRPr>
-          </a:p>
-        </p:txBody>
-      </p:sp>
-      <p:sp>
-        <p:nvSpPr>
-          <p:cNvPr id="3" name="Content Placeholder 2"/>
-          <p:cNvSpPr>
-            <a:spLocks noGrp="1"/>
-          </p:cNvSpPr>
-          <p:nvPr>
-            <p:ph idx="1"/>
-          </p:nvPr>
-        </p:nvSpPr>
-        <p:spPr>
-          <a:xfrm>
-            <a:off x="628650" y="989044"/>
-            <a:ext cx="7886700" cy="5605719"/>
-          </a:xfrm>
-        </p:spPr>
-        <p:txBody>
-          <a:bodyPr>
-            <a:normAutofit lnSpcReduction="10000"/>
-          </a:bodyPr>
-          <a:lstStyle/>
-          <a:p>
-            <a:pPr marL="228600" lvl="0" indent="-228600" defTabSz="342900">
-              <a:lnSpc>
-                <a:spcPct val="120000"/>
-              </a:lnSpc>
-              <a:buFont typeface="Arial" panose="020B0604020202020204" pitchFamily="34" charset="0"/>
-              <a:buChar char="•"/>
-            </a:pPr>
-            <a:r>
-              <a:rPr lang="en-US" altLang="en-US" sz="1540" dirty="0">
-                <a:solidFill>
-                  <a:srgbClr val="262626"/>
-                </a:solidFill>
-              </a:rPr>
-              <a:t>How to design an embeded data model</a:t>
-            </a:r>
-            <a:endParaRPr lang="en-US" altLang="en-US" sz="1540" dirty="0">
-              <a:solidFill>
-                <a:srgbClr val="262626"/>
-              </a:solidFill>
-            </a:endParaRPr>
-          </a:p>
-          <a:p>
-            <a:pPr marL="228600" lvl="0" indent="-228600" defTabSz="342900">
-              <a:lnSpc>
-                <a:spcPct val="120000"/>
-              </a:lnSpc>
-              <a:buFont typeface="Arial" panose="020B0604020202020204" pitchFamily="34" charset="0"/>
-              <a:buChar char="•"/>
-            </a:pPr>
-            <a:endParaRPr lang="en-US" altLang="en-US" sz="1540" dirty="0">
-              <a:solidFill>
-                <a:srgbClr val="262626"/>
-              </a:solidFill>
-            </a:endParaRPr>
-          </a:p>
-          <a:p>
-            <a:pPr marL="228600" lvl="0" indent="-228600" defTabSz="342900">
-              <a:lnSpc>
-                <a:spcPct val="120000"/>
-              </a:lnSpc>
-              <a:buFont typeface="Arial" panose="020B0604020202020204" pitchFamily="34" charset="0"/>
-              <a:buChar char="•"/>
-            </a:pPr>
-            <a:r>
-              <a:rPr lang="en-US" altLang="en-US" sz="1540" dirty="0">
-                <a:solidFill>
-                  <a:srgbClr val="262626"/>
-                </a:solidFill>
-              </a:rPr>
-              <a:t>One to One Relationship</a:t>
-            </a:r>
-            <a:endParaRPr lang="en-US" altLang="en-US" sz="1540" dirty="0">
-              <a:solidFill>
-                <a:srgbClr val="262626"/>
-              </a:solidFill>
-            </a:endParaRPr>
-          </a:p>
-          <a:p>
-            <a:pPr marL="228600" lvl="0" indent="-228600" defTabSz="342900">
-              <a:lnSpc>
-                <a:spcPct val="120000"/>
-              </a:lnSpc>
-              <a:buFont typeface="Arial" panose="020B0604020202020204" pitchFamily="34" charset="0"/>
-              <a:buChar char="•"/>
-            </a:pPr>
-            <a:r>
-              <a:rPr lang="en-US" altLang="en-US" sz="1540" dirty="0">
-                <a:solidFill>
-                  <a:srgbClr val="262626"/>
-                </a:solidFill>
-              </a:rPr>
-              <a:t>One to Many Relationship</a:t>
-            </a:r>
-            <a:endParaRPr lang="en-US" altLang="en-US" sz="1540" dirty="0">
-              <a:solidFill>
-                <a:srgbClr val="262626"/>
-              </a:solidFill>
-            </a:endParaRPr>
-          </a:p>
-          <a:p>
-            <a:pPr marL="228600" lvl="0" indent="-228600" defTabSz="342900">
-              <a:lnSpc>
-                <a:spcPct val="120000"/>
-              </a:lnSpc>
-              <a:buFont typeface="Arial" panose="020B0604020202020204" pitchFamily="34" charset="0"/>
-              <a:buChar char="•"/>
-            </a:pPr>
-            <a:r>
-              <a:rPr lang="en-US" altLang="en-US" sz="1540" dirty="0">
-                <a:solidFill>
-                  <a:srgbClr val="262626"/>
-                </a:solidFill>
-              </a:rPr>
-              <a:t>Many to Many Replationship</a:t>
-            </a:r>
-            <a:endParaRPr lang="en-US" altLang="en-US" sz="1540" dirty="0">
-              <a:solidFill>
-                <a:srgbClr val="262626"/>
-              </a:solidFill>
-            </a:endParaRPr>
-          </a:p>
-          <a:p>
-            <a:pPr marL="228600" lvl="0" indent="-228600" defTabSz="342900">
-              <a:lnSpc>
-                <a:spcPct val="120000"/>
-              </a:lnSpc>
-              <a:buFont typeface="Arial" panose="020B0604020202020204" pitchFamily="34" charset="0"/>
-              <a:buChar char="•"/>
-            </a:pPr>
-            <a:endParaRPr lang="en-US" altLang="en-US" sz="1540" dirty="0">
-              <a:solidFill>
-                <a:srgbClr val="262626"/>
-              </a:solidFill>
-            </a:endParaRPr>
-          </a:p>
-          <a:p>
-            <a:pPr marL="228600" lvl="0" indent="-228600" defTabSz="342900">
-              <a:lnSpc>
-                <a:spcPct val="120000"/>
-              </a:lnSpc>
-              <a:buFont typeface="Arial" panose="020B0604020202020204" pitchFamily="34" charset="0"/>
-              <a:buChar char="•"/>
-            </a:pPr>
-            <a:endParaRPr lang="en-US" altLang="en-US" sz="1540" dirty="0">
-              <a:solidFill>
-                <a:srgbClr val="262626"/>
-              </a:solidFill>
-            </a:endParaRPr>
-          </a:p>
-        </p:txBody>
-      </p:sp>
-    </p:spTree>
-  </p:cSld>
-  <p:clrMapOvr>
-    <a:masterClrMapping/>
-  </p:clrMapOvr>
-</p:sld>
-</file>
-
-<file path=ppt/slides/slide6.xml><?xml version="1.0" encoding="utf-8"?>
-<p:sld xmlns:a="http://schemas.openxmlformats.org/drawingml/2006/main" xmlns:r="http://schemas.openxmlformats.org/officeDocument/2006/relationships" xmlns:p="http://schemas.openxmlformats.org/presentationml/2006/main">
-  <p:cSld>
-    <p:spTree>
-      <p:nvGrpSpPr>
-        <p:cNvPr id="1" name=""/>
-        <p:cNvGrpSpPr/>
-        <p:nvPr/>
-      </p:nvGrpSpPr>
-      <p:grpSpPr>
-        <a:xfrm>
-          <a:off x="0" y="0"/>
-          <a:ext cx="0" cy="0"/>
-          <a:chOff x="0" y="0"/>
-          <a:chExt cx="0" cy="0"/>
-        </a:xfrm>
-      </p:grpSpPr>
-      <p:sp>
-        <p:nvSpPr>
-          <p:cNvPr id="2" name="Title 1"/>
-          <p:cNvSpPr>
-            <a:spLocks noGrp="1"/>
-          </p:cNvSpPr>
-          <p:nvPr>
-            <p:ph type="title"/>
-          </p:nvPr>
-        </p:nvSpPr>
-        <p:spPr>
-          <a:xfrm>
-            <a:off x="628650" y="155263"/>
-            <a:ext cx="7886700" cy="526790"/>
-          </a:xfrm>
-        </p:spPr>
-        <p:txBody>
-          <a:bodyPr>
-            <a:normAutofit fontScale="90000"/>
-          </a:bodyPr>
-          <a:lstStyle/>
-          <a:p>
-            <a:pPr algn="ctr"/>
-            <a:r>
-              <a:rPr lang="en-US" sz="3200" b="1" dirty="0">
-                <a:latin typeface="Calibri" panose="020F0502020204030204" pitchFamily="34" charset="0"/>
-                <a:cs typeface="Calibri" panose="020F0502020204030204" pitchFamily="34" charset="0"/>
-              </a:rPr>
-              <a:t>DataBase Design</a:t>
-            </a:r>
-            <a:endParaRPr lang="en-US" sz="3200" b="1" dirty="0">
-              <a:latin typeface="Calibri" panose="020F0502020204030204" pitchFamily="34" charset="0"/>
-              <a:cs typeface="Calibri" panose="020F0502020204030204" pitchFamily="34" charset="0"/>
-            </a:endParaRPr>
-          </a:p>
-        </p:txBody>
-      </p:sp>
-      <p:sp>
-        <p:nvSpPr>
-          <p:cNvPr id="3" name="Content Placeholder 2"/>
-          <p:cNvSpPr>
-            <a:spLocks noGrp="1"/>
-          </p:cNvSpPr>
-          <p:nvPr>
-            <p:ph idx="1"/>
-          </p:nvPr>
-        </p:nvSpPr>
-        <p:spPr>
-          <a:xfrm>
-            <a:off x="628650" y="989044"/>
-            <a:ext cx="7886700" cy="5605719"/>
-          </a:xfrm>
-        </p:spPr>
-        <p:txBody>
-          <a:bodyPr>
-            <a:normAutofit lnSpcReduction="10000"/>
-          </a:bodyPr>
-          <a:lstStyle/>
-          <a:p>
-            <a:pPr marL="228600" lvl="0" indent="-228600" defTabSz="342900">
-              <a:lnSpc>
-                <a:spcPct val="120000"/>
-              </a:lnSpc>
-              <a:buFont typeface="Arial" panose="020B0604020202020204" pitchFamily="34" charset="0"/>
-              <a:buChar char="•"/>
-            </a:pPr>
-            <a:r>
-              <a:rPr lang="en-US" altLang="en-US" sz="1540" dirty="0">
-                <a:solidFill>
-                  <a:srgbClr val="262626"/>
-                </a:solidFill>
-              </a:rPr>
-              <a:t>One to One Relationship</a:t>
-            </a:r>
-            <a:endParaRPr lang="en-US" altLang="en-US" sz="1540" dirty="0">
-              <a:solidFill>
-                <a:srgbClr val="262626"/>
-              </a:solidFill>
-            </a:endParaRPr>
-          </a:p>
-          <a:p>
-            <a:pPr marL="228600" lvl="0" indent="-228600" defTabSz="342900">
-              <a:lnSpc>
-                <a:spcPct val="120000"/>
-              </a:lnSpc>
-              <a:buFont typeface="Arial" panose="020B0604020202020204" pitchFamily="34" charset="0"/>
-              <a:buChar char="•"/>
-            </a:pPr>
-            <a:endParaRPr lang="en-US" altLang="en-US" sz="1540" dirty="0">
-              <a:solidFill>
-                <a:srgbClr val="262626"/>
-              </a:solidFill>
-            </a:endParaRPr>
-          </a:p>
-        </p:txBody>
-      </p:sp>
-      <p:pic>
-        <p:nvPicPr>
-          <p:cNvPr id="4" name="图片 3"/>
-          <p:cNvPicPr>
-            <a:picLocks noChangeAspect="1"/>
-          </p:cNvPicPr>
-          <p:nvPr/>
-        </p:nvPicPr>
-        <p:blipFill>
-          <a:blip r:embed="rId1"/>
-          <a:stretch>
-            <a:fillRect/>
-          </a:stretch>
-        </p:blipFill>
-        <p:spPr>
-          <a:xfrm>
-            <a:off x="628650" y="1450975"/>
-            <a:ext cx="4467225" cy="3476625"/>
-          </a:xfrm>
-          <a:prstGeom prst="rect">
-            <a:avLst/>
-          </a:prstGeom>
-        </p:spPr>
-      </p:pic>
-      <p:pic>
-        <p:nvPicPr>
-          <p:cNvPr id="5" name="图片 4"/>
-          <p:cNvPicPr>
-            <a:picLocks noChangeAspect="1"/>
-          </p:cNvPicPr>
-          <p:nvPr/>
-        </p:nvPicPr>
-        <p:blipFill>
-          <a:blip r:embed="rId2"/>
-          <a:stretch>
-            <a:fillRect/>
-          </a:stretch>
-        </p:blipFill>
-        <p:spPr>
-          <a:xfrm>
-            <a:off x="5328920" y="1450975"/>
-            <a:ext cx="3505200" cy="2743200"/>
-          </a:xfrm>
-          <a:prstGeom prst="rect">
-            <a:avLst/>
-          </a:prstGeom>
-        </p:spPr>
-      </p:pic>
-    </p:spTree>
-  </p:cSld>
-  <p:clrMapOvr>
-    <a:masterClrMapping/>
-  </p:clrMapOvr>
-</p:sld>
-</file>
-
-<file path=ppt/slides/slide7.xml><?xml version="1.0" encoding="utf-8"?>
-<p:sld xmlns:a="http://schemas.openxmlformats.org/drawingml/2006/main" xmlns:r="http://schemas.openxmlformats.org/officeDocument/2006/relationships" xmlns:p="http://schemas.openxmlformats.org/presentationml/2006/main">
-  <p:cSld>
-    <p:spTree>
-      <p:nvGrpSpPr>
-        <p:cNvPr id="1" name=""/>
-        <p:cNvGrpSpPr/>
-        <p:nvPr/>
-      </p:nvGrpSpPr>
-      <p:grpSpPr>
-        <a:xfrm>
-          <a:off x="0" y="0"/>
-          <a:ext cx="0" cy="0"/>
-          <a:chOff x="0" y="0"/>
-          <a:chExt cx="0" cy="0"/>
-        </a:xfrm>
-      </p:grpSpPr>
-      <p:sp>
-        <p:nvSpPr>
-          <p:cNvPr id="2" name="Title 1"/>
-          <p:cNvSpPr>
-            <a:spLocks noGrp="1"/>
-          </p:cNvSpPr>
-          <p:nvPr>
-            <p:ph type="title"/>
-          </p:nvPr>
-        </p:nvSpPr>
-        <p:spPr>
-          <a:xfrm>
-            <a:off x="628650" y="155263"/>
-            <a:ext cx="7886700" cy="526790"/>
-          </a:xfrm>
-        </p:spPr>
-        <p:txBody>
-          <a:bodyPr>
-            <a:normAutofit fontScale="90000"/>
-          </a:bodyPr>
-          <a:lstStyle/>
-          <a:p>
-            <a:pPr algn="ctr"/>
-            <a:r>
-              <a:rPr lang="en-US" sz="3200" b="1" dirty="0">
-                <a:latin typeface="Calibri" panose="020F0502020204030204" pitchFamily="34" charset="0"/>
-                <a:cs typeface="Calibri" panose="020F0502020204030204" pitchFamily="34" charset="0"/>
-              </a:rPr>
-              <a:t>DataBase Design</a:t>
-            </a:r>
-            <a:endParaRPr lang="en-US" sz="3200" b="1" dirty="0">
-              <a:latin typeface="Calibri" panose="020F0502020204030204" pitchFamily="34" charset="0"/>
-              <a:cs typeface="Calibri" panose="020F0502020204030204" pitchFamily="34" charset="0"/>
-            </a:endParaRPr>
-          </a:p>
-        </p:txBody>
-      </p:sp>
-      <p:sp>
-        <p:nvSpPr>
-          <p:cNvPr id="3" name="Content Placeholder 2"/>
-          <p:cNvSpPr>
-            <a:spLocks noGrp="1"/>
-          </p:cNvSpPr>
-          <p:nvPr>
-            <p:ph idx="1"/>
-          </p:nvPr>
-        </p:nvSpPr>
-        <p:spPr>
-          <a:xfrm>
-            <a:off x="628650" y="989044"/>
-            <a:ext cx="7886700" cy="5605719"/>
-          </a:xfrm>
-        </p:spPr>
-        <p:txBody>
-          <a:bodyPr>
             <a:normAutofit lnSpcReduction="10000"/>
           </a:bodyPr>
           <a:lstStyle/>
@@ -8615,7 +7432,7 @@
 </p:sld>
 </file>
 
-<file path=ppt/slides/slide8.xml><?xml version="1.0" encoding="utf-8"?>
+<file path=ppt/slides/slide11.xml><?xml version="1.0" encoding="utf-8"?>
 <p:sld xmlns:a="http://schemas.openxmlformats.org/drawingml/2006/main" xmlns:r="http://schemas.openxmlformats.org/officeDocument/2006/relationships" xmlns:p="http://schemas.openxmlformats.org/presentationml/2006/main">
   <p:cSld>
     <p:spTree>
@@ -8770,6 +7587,2314 @@
 </p:sld>
 </file>
 
+<file path=ppt/slides/slide12.xml><?xml version="1.0" encoding="utf-8"?>
+<p:sld xmlns:a="http://schemas.openxmlformats.org/drawingml/2006/main" xmlns:r="http://schemas.openxmlformats.org/officeDocument/2006/relationships" xmlns:p="http://schemas.openxmlformats.org/presentationml/2006/main">
+  <p:cSld>
+    <p:spTree>
+      <p:nvGrpSpPr>
+        <p:cNvPr id="1" name=""/>
+        <p:cNvGrpSpPr/>
+        <p:nvPr/>
+      </p:nvGrpSpPr>
+      <p:grpSpPr>
+        <a:xfrm>
+          <a:off x="0" y="0"/>
+          <a:ext cx="0" cy="0"/>
+          <a:chOff x="0" y="0"/>
+          <a:chExt cx="0" cy="0"/>
+        </a:xfrm>
+      </p:grpSpPr>
+      <p:sp>
+        <p:nvSpPr>
+          <p:cNvPr id="2" name="Title 1"/>
+          <p:cNvSpPr>
+            <a:spLocks noGrp="1"/>
+          </p:cNvSpPr>
+          <p:nvPr>
+            <p:ph type="title"/>
+          </p:nvPr>
+        </p:nvSpPr>
+        <p:spPr>
+          <a:xfrm>
+            <a:off x="628650" y="155263"/>
+            <a:ext cx="7886700" cy="526790"/>
+          </a:xfrm>
+        </p:spPr>
+        <p:txBody>
+          <a:bodyPr>
+            <a:normAutofit fontScale="90000"/>
+          </a:bodyPr>
+          <a:lstStyle/>
+          <a:p>
+            <a:pPr algn="ctr"/>
+            <a:r>
+              <a:rPr lang="en-US" sz="3200" b="1" dirty="0">
+                <a:latin typeface="Calibri" panose="020F0502020204030204" pitchFamily="34" charset="0"/>
+                <a:cs typeface="Calibri" panose="020F0502020204030204" pitchFamily="34" charset="0"/>
+              </a:rPr>
+              <a:t>DataBase Design</a:t>
+            </a:r>
+            <a:endParaRPr lang="en-US" sz="3200" b="1" dirty="0">
+              <a:latin typeface="Calibri" panose="020F0502020204030204" pitchFamily="34" charset="0"/>
+              <a:cs typeface="Calibri" panose="020F0502020204030204" pitchFamily="34" charset="0"/>
+            </a:endParaRPr>
+          </a:p>
+        </p:txBody>
+      </p:sp>
+      <p:sp>
+        <p:nvSpPr>
+          <p:cNvPr id="3" name="Content Placeholder 2"/>
+          <p:cNvSpPr>
+            <a:spLocks noGrp="1"/>
+          </p:cNvSpPr>
+          <p:nvPr>
+            <p:ph idx="1"/>
+          </p:nvPr>
+        </p:nvSpPr>
+        <p:spPr>
+          <a:xfrm>
+            <a:off x="628650" y="989044"/>
+            <a:ext cx="7886700" cy="5605719"/>
+          </a:xfrm>
+        </p:spPr>
+        <p:txBody>
+          <a:bodyPr>
+            <a:normAutofit lnSpcReduction="20000"/>
+          </a:bodyPr>
+          <a:lstStyle/>
+          <a:p>
+            <a:pPr marL="228600" lvl="0" indent="-228600" defTabSz="342900">
+              <a:lnSpc>
+                <a:spcPct val="120000"/>
+              </a:lnSpc>
+              <a:buFont typeface="Arial" panose="020B0604020202020204" pitchFamily="34" charset="0"/>
+              <a:buChar char="•"/>
+            </a:pPr>
+            <a:r>
+              <a:rPr lang="en-US" altLang="en-US" sz="1800" dirty="0">
+                <a:solidFill>
+                  <a:srgbClr val="262626"/>
+                </a:solidFill>
+              </a:rPr>
+              <a:t>Solidity Data Design</a:t>
+            </a:r>
+            <a:endParaRPr lang="en-US" altLang="en-US" sz="1800" dirty="0">
+              <a:solidFill>
+                <a:srgbClr val="262626"/>
+              </a:solidFill>
+            </a:endParaRPr>
+          </a:p>
+          <a:p>
+            <a:pPr marL="228600" lvl="0" indent="-228600" defTabSz="342900">
+              <a:lnSpc>
+                <a:spcPct val="120000"/>
+              </a:lnSpc>
+              <a:buFont typeface="Arial" panose="020B0604020202020204" pitchFamily="34" charset="0"/>
+              <a:buChar char="•"/>
+            </a:pPr>
+            <a:r>
+              <a:rPr lang="en-US" altLang="en-US" sz="1800" dirty="0">
+                <a:solidFill>
+                  <a:srgbClr val="262626"/>
+                </a:solidFill>
+              </a:rPr>
+              <a:t>Mappings, Arrays, and Struct</a:t>
+            </a:r>
+            <a:endParaRPr lang="en-US" altLang="en-US" sz="1800" dirty="0">
+              <a:solidFill>
+                <a:srgbClr val="262626"/>
+              </a:solidFill>
+            </a:endParaRPr>
+          </a:p>
+          <a:p>
+            <a:pPr marL="228600" lvl="0" indent="-228600" defTabSz="342900">
+              <a:lnSpc>
+                <a:spcPct val="120000"/>
+              </a:lnSpc>
+              <a:buFont typeface="Arial" panose="020B0604020202020204" pitchFamily="34" charset="0"/>
+              <a:buChar char="•"/>
+            </a:pPr>
+            <a:endParaRPr lang="en-US" altLang="en-US" sz="1800" dirty="0">
+              <a:solidFill>
+                <a:srgbClr val="262626"/>
+              </a:solidFill>
+            </a:endParaRPr>
+          </a:p>
+          <a:p>
+            <a:pPr marL="228600" lvl="0" indent="-228600" defTabSz="342900">
+              <a:lnSpc>
+                <a:spcPct val="120000"/>
+              </a:lnSpc>
+              <a:buFont typeface="Arial" panose="020B0604020202020204" pitchFamily="34" charset="0"/>
+              <a:buChar char="•"/>
+            </a:pPr>
+            <a:r>
+              <a:rPr lang="en-US" altLang="en-US" sz="1800" dirty="0">
+                <a:solidFill>
+                  <a:srgbClr val="262626"/>
+                </a:solidFill>
+              </a:rPr>
+              <a:t>Mappings: Key - Value</a:t>
+            </a:r>
+            <a:endParaRPr lang="en-US" altLang="en-US" sz="1800" dirty="0">
+              <a:solidFill>
+                <a:srgbClr val="262626"/>
+              </a:solidFill>
+            </a:endParaRPr>
+          </a:p>
+          <a:p>
+            <a:pPr marL="228600" lvl="0" indent="-228600" defTabSz="342900">
+              <a:lnSpc>
+                <a:spcPct val="120000"/>
+              </a:lnSpc>
+              <a:buFont typeface="Arial" panose="020B0604020202020204" pitchFamily="34" charset="0"/>
+              <a:buChar char="•"/>
+            </a:pPr>
+            <a:r>
+              <a:rPr lang="en-US" altLang="en-US" sz="1800" dirty="0">
+                <a:solidFill>
+                  <a:srgbClr val="262626"/>
+                </a:solidFill>
+              </a:rPr>
+              <a:t>mapping (address =&gt; uint) userBalances;</a:t>
+            </a:r>
+            <a:endParaRPr lang="en-US" altLang="en-US" sz="1800" dirty="0">
+              <a:solidFill>
+                <a:srgbClr val="262626"/>
+              </a:solidFill>
+            </a:endParaRPr>
+          </a:p>
+          <a:p>
+            <a:pPr marL="228600" lvl="0" indent="-228600" defTabSz="342900">
+              <a:lnSpc>
+                <a:spcPct val="120000"/>
+              </a:lnSpc>
+              <a:buFont typeface="Arial" panose="020B0604020202020204" pitchFamily="34" charset="0"/>
+              <a:buChar char="•"/>
+            </a:pPr>
+            <a:endParaRPr lang="en-US" altLang="en-US" sz="1800" dirty="0">
+              <a:solidFill>
+                <a:srgbClr val="262626"/>
+              </a:solidFill>
+            </a:endParaRPr>
+          </a:p>
+          <a:p>
+            <a:pPr marL="228600" lvl="0" indent="-228600" defTabSz="342900">
+              <a:lnSpc>
+                <a:spcPct val="120000"/>
+              </a:lnSpc>
+              <a:buFont typeface="Arial" panose="020B0604020202020204" pitchFamily="34" charset="0"/>
+              <a:buChar char="•"/>
+            </a:pPr>
+            <a:r>
+              <a:rPr lang="en-US" altLang="en-US" sz="1800" dirty="0">
+                <a:solidFill>
+                  <a:srgbClr val="262626"/>
+                </a:solidFill>
+              </a:rPr>
+              <a:t>Arrays: </a:t>
+            </a:r>
+            <a:endParaRPr lang="en-US" altLang="en-US" sz="1800" dirty="0">
+              <a:solidFill>
+                <a:srgbClr val="262626"/>
+              </a:solidFill>
+            </a:endParaRPr>
+          </a:p>
+          <a:p>
+            <a:pPr marL="228600" lvl="0" indent="-228600" defTabSz="342900">
+              <a:lnSpc>
+                <a:spcPct val="120000"/>
+              </a:lnSpc>
+              <a:buFont typeface="Arial" panose="020B0604020202020204" pitchFamily="34" charset="0"/>
+              <a:buChar char="•"/>
+            </a:pPr>
+            <a:r>
+              <a:rPr lang="en-US" altLang="en-US" sz="1800" dirty="0">
+                <a:solidFill>
+                  <a:srgbClr val="262626"/>
+                </a:solidFill>
+              </a:rPr>
+              <a:t>address[] userIndex;</a:t>
+            </a:r>
+            <a:endParaRPr lang="en-US" altLang="en-US" sz="1800" dirty="0">
+              <a:solidFill>
+                <a:srgbClr val="262626"/>
+              </a:solidFill>
+            </a:endParaRPr>
+          </a:p>
+          <a:p>
+            <a:pPr marL="228600" lvl="0" indent="-228600" defTabSz="342900">
+              <a:lnSpc>
+                <a:spcPct val="120000"/>
+              </a:lnSpc>
+              <a:buFont typeface="Arial" panose="020B0604020202020204" pitchFamily="34" charset="0"/>
+              <a:buChar char="•"/>
+            </a:pPr>
+            <a:r>
+              <a:rPr lang="en-US" altLang="en-US" sz="1800" dirty="0">
+                <a:solidFill>
+                  <a:srgbClr val="262626"/>
+                </a:solidFill>
+              </a:rPr>
+              <a:t>userIndex.push(anAddress);</a:t>
+            </a:r>
+            <a:endParaRPr lang="en-US" altLang="en-US" sz="1800" dirty="0">
+              <a:solidFill>
+                <a:srgbClr val="262626"/>
+              </a:solidFill>
+            </a:endParaRPr>
+          </a:p>
+          <a:p>
+            <a:pPr marL="228600" lvl="0" indent="-228600" defTabSz="342900">
+              <a:lnSpc>
+                <a:spcPct val="120000"/>
+              </a:lnSpc>
+              <a:buFont typeface="Arial" panose="020B0604020202020204" pitchFamily="34" charset="0"/>
+              <a:buChar char="•"/>
+            </a:pPr>
+            <a:endParaRPr lang="en-US" altLang="en-US" sz="1800" dirty="0">
+              <a:solidFill>
+                <a:srgbClr val="262626"/>
+              </a:solidFill>
+            </a:endParaRPr>
+          </a:p>
+          <a:p>
+            <a:pPr marL="228600" lvl="0" indent="-228600" defTabSz="342900">
+              <a:lnSpc>
+                <a:spcPct val="120000"/>
+              </a:lnSpc>
+              <a:buFont typeface="Arial" panose="020B0604020202020204" pitchFamily="34" charset="0"/>
+              <a:buChar char="•"/>
+            </a:pPr>
+            <a:r>
+              <a:rPr lang="en-US" altLang="en-US" sz="1800" dirty="0">
+                <a:solidFill>
+                  <a:srgbClr val="262626"/>
+                </a:solidFill>
+              </a:rPr>
+              <a:t>Strut:</a:t>
+            </a:r>
+            <a:endParaRPr lang="en-US" altLang="en-US" sz="1800" dirty="0">
+              <a:solidFill>
+                <a:srgbClr val="262626"/>
+              </a:solidFill>
+            </a:endParaRPr>
+          </a:p>
+          <a:p>
+            <a:pPr marL="228600" lvl="0" indent="-228600" defTabSz="342900">
+              <a:lnSpc>
+                <a:spcPct val="120000"/>
+              </a:lnSpc>
+              <a:buFont typeface="Arial" panose="020B0604020202020204" pitchFamily="34" charset="0"/>
+              <a:buChar char="•"/>
+            </a:pPr>
+            <a:r>
+              <a:rPr lang="en-US" altLang="en-US" sz="1800" dirty="0">
+                <a:solidFill>
+                  <a:srgbClr val="262626"/>
+                </a:solidFill>
+              </a:rPr>
+              <a:t>struct UserStruct {</a:t>
+            </a:r>
+            <a:endParaRPr lang="en-US" altLang="en-US" sz="1800" dirty="0">
+              <a:solidFill>
+                <a:srgbClr val="262626"/>
+              </a:solidFill>
+            </a:endParaRPr>
+          </a:p>
+          <a:p>
+            <a:pPr marL="228600" lvl="0" indent="-228600" defTabSz="342900">
+              <a:lnSpc>
+                <a:spcPct val="120000"/>
+              </a:lnSpc>
+              <a:buFont typeface="Arial" panose="020B0604020202020204" pitchFamily="34" charset="0"/>
+              <a:buChar char="•"/>
+            </a:pPr>
+            <a:r>
+              <a:rPr lang="en-US" altLang="en-US" sz="1800" dirty="0">
+                <a:solidFill>
+                  <a:srgbClr val="262626"/>
+                </a:solidFill>
+              </a:rPr>
+              <a:t> bytes32 userEmail;</a:t>
+            </a:r>
+            <a:endParaRPr lang="en-US" altLang="en-US" sz="1800" dirty="0">
+              <a:solidFill>
+                <a:srgbClr val="262626"/>
+              </a:solidFill>
+            </a:endParaRPr>
+          </a:p>
+          <a:p>
+            <a:pPr marL="228600" lvl="0" indent="-228600" defTabSz="342900">
+              <a:lnSpc>
+                <a:spcPct val="120000"/>
+              </a:lnSpc>
+              <a:buFont typeface="Arial" panose="020B0604020202020204" pitchFamily="34" charset="0"/>
+              <a:buChar char="•"/>
+            </a:pPr>
+            <a:r>
+              <a:rPr lang="en-US" altLang="en-US" sz="1800" dirty="0">
+                <a:solidFill>
+                  <a:srgbClr val="262626"/>
+                </a:solidFill>
+              </a:rPr>
+              <a:t> uint userAge;}</a:t>
+            </a:r>
+            <a:endParaRPr lang="en-US" altLang="en-US" sz="1800" dirty="0">
+              <a:solidFill>
+                <a:srgbClr val="262626"/>
+              </a:solidFill>
+            </a:endParaRPr>
+          </a:p>
+        </p:txBody>
+      </p:sp>
+    </p:spTree>
+  </p:cSld>
+  <p:clrMapOvr>
+    <a:masterClrMapping/>
+  </p:clrMapOvr>
+</p:sld>
+</file>
+
+<file path=ppt/slides/slide13.xml><?xml version="1.0" encoding="utf-8"?>
+<p:sld xmlns:a="http://schemas.openxmlformats.org/drawingml/2006/main" xmlns:r="http://schemas.openxmlformats.org/officeDocument/2006/relationships" xmlns:p="http://schemas.openxmlformats.org/presentationml/2006/main">
+  <p:cSld>
+    <p:spTree>
+      <p:nvGrpSpPr>
+        <p:cNvPr id="1" name=""/>
+        <p:cNvGrpSpPr/>
+        <p:nvPr/>
+      </p:nvGrpSpPr>
+      <p:grpSpPr>
+        <a:xfrm>
+          <a:off x="0" y="0"/>
+          <a:ext cx="0" cy="0"/>
+          <a:chOff x="0" y="0"/>
+          <a:chExt cx="0" cy="0"/>
+        </a:xfrm>
+      </p:grpSpPr>
+      <p:sp>
+        <p:nvSpPr>
+          <p:cNvPr id="2" name="Title 1"/>
+          <p:cNvSpPr>
+            <a:spLocks noGrp="1"/>
+          </p:cNvSpPr>
+          <p:nvPr>
+            <p:ph type="title"/>
+          </p:nvPr>
+        </p:nvSpPr>
+        <p:spPr>
+          <a:xfrm>
+            <a:off x="628650" y="155263"/>
+            <a:ext cx="7886700" cy="526790"/>
+          </a:xfrm>
+        </p:spPr>
+        <p:txBody>
+          <a:bodyPr>
+            <a:normAutofit fontScale="90000"/>
+          </a:bodyPr>
+          <a:lstStyle/>
+          <a:p>
+            <a:pPr algn="ctr"/>
+            <a:r>
+              <a:rPr lang="en-US" sz="3200" b="1" dirty="0">
+                <a:latin typeface="Calibri" panose="020F0502020204030204" pitchFamily="34" charset="0"/>
+                <a:cs typeface="Calibri" panose="020F0502020204030204" pitchFamily="34" charset="0"/>
+              </a:rPr>
+              <a:t>DataBase Design</a:t>
+            </a:r>
+            <a:endParaRPr lang="en-US" sz="3200" b="1" dirty="0">
+              <a:latin typeface="Calibri" panose="020F0502020204030204" pitchFamily="34" charset="0"/>
+              <a:cs typeface="Calibri" panose="020F0502020204030204" pitchFamily="34" charset="0"/>
+            </a:endParaRPr>
+          </a:p>
+        </p:txBody>
+      </p:sp>
+      <p:sp>
+        <p:nvSpPr>
+          <p:cNvPr id="3" name="Content Placeholder 2"/>
+          <p:cNvSpPr>
+            <a:spLocks noGrp="1"/>
+          </p:cNvSpPr>
+          <p:nvPr>
+            <p:ph idx="1"/>
+          </p:nvPr>
+        </p:nvSpPr>
+        <p:spPr>
+          <a:xfrm>
+            <a:off x="628650" y="989044"/>
+            <a:ext cx="7886700" cy="5605719"/>
+          </a:xfrm>
+        </p:spPr>
+        <p:txBody>
+          <a:bodyPr>
+            <a:normAutofit/>
+          </a:bodyPr>
+          <a:lstStyle/>
+          <a:p>
+            <a:pPr marL="228600" lvl="0" indent="-228600" defTabSz="342900">
+              <a:lnSpc>
+                <a:spcPct val="120000"/>
+              </a:lnSpc>
+              <a:buFont typeface="Arial" panose="020B0604020202020204" pitchFamily="34" charset="0"/>
+              <a:buChar char="•"/>
+            </a:pPr>
+            <a:r>
+              <a:rPr lang="en-US" altLang="en-US" sz="1800" dirty="0">
+                <a:solidFill>
+                  <a:srgbClr val="262626"/>
+                </a:solidFill>
+              </a:rPr>
+              <a:t>1) A struct, for record details. It will contain all the fields except the key.</a:t>
+            </a:r>
+            <a:endParaRPr lang="en-US" altLang="en-US" sz="1800" dirty="0">
+              <a:solidFill>
+                <a:srgbClr val="262626"/>
+              </a:solidFill>
+            </a:endParaRPr>
+          </a:p>
+          <a:p>
+            <a:pPr marL="228600" lvl="0" indent="-228600" defTabSz="342900">
+              <a:lnSpc>
+                <a:spcPct val="120000"/>
+              </a:lnSpc>
+              <a:buFont typeface="Arial" panose="020B0604020202020204" pitchFamily="34" charset="0"/>
+              <a:buChar char="•"/>
+            </a:pPr>
+            <a:endParaRPr lang="en-US" altLang="en-US" sz="1800" dirty="0">
+              <a:solidFill>
+                <a:srgbClr val="262626"/>
+              </a:solidFill>
+            </a:endParaRPr>
+          </a:p>
+          <a:p>
+            <a:pPr marL="228600" lvl="0" indent="-228600" defTabSz="342900">
+              <a:lnSpc>
+                <a:spcPct val="120000"/>
+              </a:lnSpc>
+              <a:buFont typeface="Arial" panose="020B0604020202020204" pitchFamily="34" charset="0"/>
+              <a:buChar char="•"/>
+            </a:pPr>
+            <a:r>
+              <a:rPr lang="en-US" altLang="en-US" sz="1800" dirty="0">
+                <a:solidFill>
+                  <a:srgbClr val="262626"/>
+                </a:solidFill>
+              </a:rPr>
+              <a:t>2) A mapping of keys to struct instances.</a:t>
+            </a:r>
+            <a:endParaRPr lang="en-US" altLang="en-US" sz="1800" dirty="0">
+              <a:solidFill>
+                <a:srgbClr val="262626"/>
+              </a:solidFill>
+            </a:endParaRPr>
+          </a:p>
+          <a:p>
+            <a:pPr marL="228600" lvl="0" indent="-228600" defTabSz="342900">
+              <a:lnSpc>
+                <a:spcPct val="120000"/>
+              </a:lnSpc>
+              <a:buFont typeface="Arial" panose="020B0604020202020204" pitchFamily="34" charset="0"/>
+              <a:buChar char="•"/>
+            </a:pPr>
+            <a:endParaRPr lang="en-US" altLang="en-US" sz="1800" dirty="0">
+              <a:solidFill>
+                <a:srgbClr val="262626"/>
+              </a:solidFill>
+            </a:endParaRPr>
+          </a:p>
+          <a:p>
+            <a:pPr marL="228600" lvl="0" indent="-228600" defTabSz="342900">
+              <a:lnSpc>
+                <a:spcPct val="120000"/>
+              </a:lnSpc>
+              <a:buFont typeface="Arial" panose="020B0604020202020204" pitchFamily="34" charset="0"/>
+              <a:buChar char="•"/>
+            </a:pPr>
+            <a:r>
+              <a:rPr lang="en-US" altLang="en-US" sz="1800" dirty="0">
+                <a:solidFill>
+                  <a:srgbClr val="262626"/>
+                </a:solidFill>
+              </a:rPr>
+              <a:t>3) An array that will be an unordered index of keys. In the example, these are user addresses.</a:t>
+            </a:r>
+            <a:endParaRPr lang="en-US" altLang="en-US" sz="1800" dirty="0">
+              <a:solidFill>
+                <a:srgbClr val="262626"/>
+              </a:solidFill>
+            </a:endParaRPr>
+          </a:p>
+          <a:p>
+            <a:pPr marL="228600" lvl="0" indent="-228600" defTabSz="342900">
+              <a:lnSpc>
+                <a:spcPct val="120000"/>
+              </a:lnSpc>
+              <a:buFont typeface="Arial" panose="020B0604020202020204" pitchFamily="34" charset="0"/>
+              <a:buChar char="•"/>
+            </a:pPr>
+            <a:endParaRPr lang="en-US" altLang="en-US" sz="1800" dirty="0">
+              <a:solidFill>
+                <a:srgbClr val="262626"/>
+              </a:solidFill>
+            </a:endParaRPr>
+          </a:p>
+        </p:txBody>
+      </p:sp>
+    </p:spTree>
+  </p:cSld>
+  <p:clrMapOvr>
+    <a:masterClrMapping/>
+  </p:clrMapOvr>
+</p:sld>
+</file>
+
+<file path=ppt/slides/slide2.xml><?xml version="1.0" encoding="utf-8"?>
+<p:sld xmlns:a="http://schemas.openxmlformats.org/drawingml/2006/main" xmlns:r="http://schemas.openxmlformats.org/officeDocument/2006/relationships" xmlns:p="http://schemas.openxmlformats.org/presentationml/2006/main">
+  <p:cSld>
+    <p:spTree>
+      <p:nvGrpSpPr>
+        <p:cNvPr id="1" name=""/>
+        <p:cNvGrpSpPr/>
+        <p:nvPr/>
+      </p:nvGrpSpPr>
+      <p:grpSpPr>
+        <a:xfrm>
+          <a:off x="0" y="0"/>
+          <a:ext cx="0" cy="0"/>
+          <a:chOff x="0" y="0"/>
+          <a:chExt cx="0" cy="0"/>
+        </a:xfrm>
+      </p:grpSpPr>
+      <p:sp>
+        <p:nvSpPr>
+          <p:cNvPr id="21505" name="Title 1"/>
+          <p:cNvSpPr>
+            <a:spLocks noGrp="1"/>
+          </p:cNvSpPr>
+          <p:nvPr>
+            <p:ph type="title"/>
+          </p:nvPr>
+        </p:nvSpPr>
+        <p:spPr>
+          <a:xfrm>
+            <a:off x="233363" y="308848"/>
+            <a:ext cx="8227219" cy="327422"/>
+          </a:xfrm>
+        </p:spPr>
+        <p:txBody>
+          <a:bodyPr vert="horz" lIns="0" tIns="0" rIns="0" bIns="0" rtlCol="0" anchor="ctr">
+            <a:normAutofit fontScale="90000"/>
+          </a:bodyPr>
+          <a:lstStyle/>
+          <a:p>
+            <a:pPr algn="ctr"/>
+            <a:r>
+              <a:rPr lang="en-US" altLang="zh-CN" sz="3200" b="1" dirty="0">
+                <a:latin typeface="Calibri" panose="020F0502020204030204" pitchFamily="34" charset="0"/>
+                <a:cs typeface="Calibri" panose="020F0502020204030204" pitchFamily="34" charset="0"/>
+              </a:rPr>
+              <a:t>Outline</a:t>
+            </a:r>
+            <a:endParaRPr lang="en-GB" altLang="zh-CN" sz="3200" b="1" dirty="0">
+              <a:latin typeface="Calibri" panose="020F0502020204030204" pitchFamily="34" charset="0"/>
+              <a:cs typeface="Calibri" panose="020F0502020204030204" pitchFamily="34" charset="0"/>
+            </a:endParaRPr>
+          </a:p>
+        </p:txBody>
+      </p:sp>
+      <p:sp>
+        <p:nvSpPr>
+          <p:cNvPr id="21506" name="文本框 6"/>
+          <p:cNvSpPr txBox="1"/>
+          <p:nvPr/>
+        </p:nvSpPr>
+        <p:spPr>
+          <a:xfrm>
+            <a:off x="246455" y="859156"/>
+            <a:ext cx="8651359" cy="5486400"/>
+          </a:xfrm>
+          <a:prstGeom prst="rect">
+            <a:avLst/>
+          </a:prstGeom>
+          <a:noFill/>
+          <a:ln w="9525">
+            <a:noFill/>
+          </a:ln>
+        </p:spPr>
+        <p:txBody>
+          <a:bodyPr wrap="square" lIns="0" tIns="0" rIns="0" bIns="0" anchor="t"/>
+          <a:lstStyle/>
+          <a:p>
+            <a:pPr marL="171450" lvl="0" indent="-171450" fontAlgn="auto">
+              <a:lnSpc>
+                <a:spcPct val="200000"/>
+              </a:lnSpc>
+              <a:spcBef>
+                <a:spcPts val="700"/>
+              </a:spcBef>
+              <a:buFont typeface="Arial" panose="020B0604020202020204" pitchFamily="34" charset="0"/>
+              <a:buChar char="•"/>
+            </a:pPr>
+            <a:r>
+              <a:rPr lang="en-US" dirty="0">
+                <a:latin typeface="Calibri" panose="020F0502020204030204" pitchFamily="34" charset="0"/>
+                <a:cs typeface="Calibri" panose="020F0502020204030204" pitchFamily="34" charset="0"/>
+                <a:sym typeface="+mn-ea"/>
+              </a:rPr>
+              <a:t>DataBase Design</a:t>
+            </a:r>
+            <a:endParaRPr lang="en-US" dirty="0">
+              <a:latin typeface="Calibri" panose="020F0502020204030204" pitchFamily="34" charset="0"/>
+              <a:cs typeface="Calibri" panose="020F0502020204030204" pitchFamily="34" charset="0"/>
+            </a:endParaRPr>
+          </a:p>
+          <a:p>
+            <a:pPr marL="171450" lvl="0" indent="-171450" fontAlgn="auto">
+              <a:lnSpc>
+                <a:spcPct val="200000"/>
+              </a:lnSpc>
+              <a:spcBef>
+                <a:spcPts val="700"/>
+              </a:spcBef>
+              <a:buFont typeface="Arial" panose="020B0604020202020204" pitchFamily="34" charset="0"/>
+              <a:buChar char="•"/>
+            </a:pPr>
+            <a:endParaRPr lang="en-US" dirty="0"/>
+          </a:p>
+        </p:txBody>
+      </p:sp>
+      <p:sp>
+        <p:nvSpPr>
+          <p:cNvPr id="6" name="TextBox 6"/>
+          <p:cNvSpPr txBox="1"/>
+          <p:nvPr/>
+        </p:nvSpPr>
+        <p:spPr>
+          <a:xfrm>
+            <a:off x="25183" y="6636420"/>
+            <a:ext cx="3270445" cy="184664"/>
+          </a:xfrm>
+          <a:prstGeom prst="rect">
+            <a:avLst/>
+          </a:prstGeom>
+          <a:ln w="12700">
+            <a:miter lim="400000"/>
+          </a:ln>
+        </p:spPr>
+        <p:txBody>
+          <a:bodyPr wrap="none" lIns="34289" tIns="34289" rIns="34289" bIns="34289">
+            <a:spAutoFit/>
+          </a:bodyPr>
+          <a:lstStyle>
+            <a:lvl1pPr defTabSz="914400">
+              <a:defRPr sz="1000">
+                <a:solidFill>
+                  <a:srgbClr val="FFFFFF"/>
+                </a:solidFill>
+                <a:latin typeface="Montserrat"/>
+                <a:ea typeface="Montserrat"/>
+                <a:cs typeface="Montserrat"/>
+                <a:sym typeface="Montserrat"/>
+              </a:defRPr>
+            </a:lvl1pPr>
+          </a:lstStyle>
+          <a:p>
+            <a:r>
+              <a:rPr lang="en-US" sz="750" dirty="0">
+                <a:solidFill>
+                  <a:schemeClr val="tx1"/>
+                </a:solidFill>
+                <a:latin typeface="Montserrat" panose="00000500000000000000" pitchFamily="2" charset="0"/>
+              </a:rPr>
+              <a:t>© 2017-2020    SmartMesh Foundation Pte. Ltd.  |  MeshBox Foundation Pte. Ltd.</a:t>
+            </a:r>
+            <a:endParaRPr lang="en-US" sz="750" dirty="0">
+              <a:solidFill>
+                <a:schemeClr val="tx1"/>
+              </a:solidFill>
+              <a:latin typeface="Montserrat" panose="00000500000000000000" pitchFamily="2" charset="0"/>
+              <a:sym typeface="Arial" panose="020B0604020202020204"/>
+            </a:endParaRPr>
+          </a:p>
+        </p:txBody>
+      </p:sp>
+      <p:sp>
+        <p:nvSpPr>
+          <p:cNvPr id="7" name="TextBox 6"/>
+          <p:cNvSpPr txBox="1">
+            <a:spLocks noChangeArrowheads="1"/>
+          </p:cNvSpPr>
+          <p:nvPr/>
+        </p:nvSpPr>
+        <p:spPr bwMode="auto">
+          <a:xfrm>
+            <a:off x="7872314" y="6569155"/>
+            <a:ext cx="1289447" cy="253916"/>
+          </a:xfrm>
+          <a:prstGeom prst="rect">
+            <a:avLst/>
+          </a:prstGeom>
+          <a:noFill/>
+          <a:ln w="9525">
+            <a:noFill/>
+            <a:miter lim="800000"/>
+          </a:ln>
+        </p:spPr>
+        <p:txBody>
+          <a:bodyPr>
+            <a:spAutoFit/>
+          </a:bodyPr>
+          <a:lstStyle/>
+          <a:p>
+            <a:pPr algn="r"/>
+            <a:fld id="{6F888031-CE6A-4173-BB2B-520974F34056}" type="slidenum">
+              <a:rPr lang="en-GB" sz="1050">
+                <a:latin typeface="Calibri" panose="020F0502020204030204" pitchFamily="34" charset="0"/>
+              </a:rPr>
+            </a:fld>
+            <a:endParaRPr lang="en-GB" sz="1050" dirty="0">
+              <a:latin typeface="Calibri" panose="020F0502020204030204" pitchFamily="34" charset="0"/>
+            </a:endParaRPr>
+          </a:p>
+        </p:txBody>
+      </p:sp>
+    </p:spTree>
+  </p:cSld>
+  <p:clrMapOvr>
+    <a:masterClrMapping/>
+  </p:clrMapOvr>
+  <p:transition spd="med">
+    <p:fade/>
+  </p:transition>
+</p:sld>
+</file>
+
+<file path=ppt/slides/slide3.xml><?xml version="1.0" encoding="utf-8"?>
+<p:sld xmlns:a="http://schemas.openxmlformats.org/drawingml/2006/main" xmlns:r="http://schemas.openxmlformats.org/officeDocument/2006/relationships" xmlns:p="http://schemas.openxmlformats.org/presentationml/2006/main">
+  <p:cSld>
+    <p:spTree>
+      <p:nvGrpSpPr>
+        <p:cNvPr id="1" name=""/>
+        <p:cNvGrpSpPr/>
+        <p:nvPr/>
+      </p:nvGrpSpPr>
+      <p:grpSpPr>
+        <a:xfrm>
+          <a:off x="0" y="0"/>
+          <a:ext cx="0" cy="0"/>
+          <a:chOff x="0" y="0"/>
+          <a:chExt cx="0" cy="0"/>
+        </a:xfrm>
+      </p:grpSpPr>
+      <p:sp>
+        <p:nvSpPr>
+          <p:cNvPr id="2" name="Title 1"/>
+          <p:cNvSpPr>
+            <a:spLocks noGrp="1"/>
+          </p:cNvSpPr>
+          <p:nvPr>
+            <p:ph type="title"/>
+          </p:nvPr>
+        </p:nvSpPr>
+        <p:spPr>
+          <a:xfrm>
+            <a:off x="628650" y="155263"/>
+            <a:ext cx="7886700" cy="526790"/>
+          </a:xfrm>
+        </p:spPr>
+        <p:txBody>
+          <a:bodyPr>
+            <a:normAutofit fontScale="90000"/>
+          </a:bodyPr>
+          <a:lstStyle/>
+          <a:p>
+            <a:pPr algn="ctr"/>
+            <a:r>
+              <a:rPr lang="en-US" sz="3200" b="1" dirty="0">
+                <a:latin typeface="Calibri" panose="020F0502020204030204" pitchFamily="34" charset="0"/>
+                <a:cs typeface="Calibri" panose="020F0502020204030204" pitchFamily="34" charset="0"/>
+              </a:rPr>
+              <a:t>DataBase Design</a:t>
+            </a:r>
+            <a:endParaRPr lang="en-US" sz="3200" b="1" dirty="0">
+              <a:latin typeface="Calibri" panose="020F0502020204030204" pitchFamily="34" charset="0"/>
+              <a:cs typeface="Calibri" panose="020F0502020204030204" pitchFamily="34" charset="0"/>
+            </a:endParaRPr>
+          </a:p>
+        </p:txBody>
+      </p:sp>
+      <p:sp>
+        <p:nvSpPr>
+          <p:cNvPr id="3" name="Content Placeholder 2"/>
+          <p:cNvSpPr>
+            <a:spLocks noGrp="1"/>
+          </p:cNvSpPr>
+          <p:nvPr>
+            <p:ph idx="1"/>
+          </p:nvPr>
+        </p:nvSpPr>
+        <p:spPr>
+          <a:xfrm>
+            <a:off x="628650" y="989044"/>
+            <a:ext cx="7886700" cy="5605719"/>
+          </a:xfrm>
+        </p:spPr>
+        <p:txBody>
+          <a:bodyPr>
+            <a:normAutofit lnSpcReduction="10000"/>
+          </a:bodyPr>
+          <a:lstStyle/>
+          <a:p>
+            <a:pPr marL="228600" lvl="0" indent="-228600" defTabSz="342900">
+              <a:lnSpc>
+                <a:spcPct val="120000"/>
+              </a:lnSpc>
+              <a:buFont typeface="Arial" panose="020B0604020202020204" pitchFamily="34" charset="0"/>
+              <a:buChar char="•"/>
+            </a:pPr>
+            <a:r>
+              <a:rPr lang="en-US" altLang="en-US" sz="1540" dirty="0">
+                <a:solidFill>
+                  <a:srgbClr val="262626"/>
+                </a:solidFill>
+              </a:rPr>
+              <a:t>1NF 2NF 3NF:</a:t>
+            </a:r>
+            <a:endParaRPr lang="en-US" altLang="en-US" sz="1540" dirty="0">
+              <a:solidFill>
+                <a:srgbClr val="262626"/>
+              </a:solidFill>
+            </a:endParaRPr>
+          </a:p>
+          <a:p>
+            <a:pPr marL="228600" lvl="0" indent="-228600" defTabSz="342900">
+              <a:lnSpc>
+                <a:spcPct val="120000"/>
+              </a:lnSpc>
+              <a:buFont typeface="Arial" panose="020B0604020202020204" pitchFamily="34" charset="0"/>
+              <a:buChar char="•"/>
+            </a:pPr>
+            <a:endParaRPr lang="en-US" altLang="en-US" sz="1540" dirty="0">
+              <a:solidFill>
+                <a:srgbClr val="262626"/>
+              </a:solidFill>
+            </a:endParaRPr>
+          </a:p>
+          <a:p>
+            <a:pPr marL="228600" lvl="0" indent="-228600" defTabSz="342900">
+              <a:lnSpc>
+                <a:spcPct val="120000"/>
+              </a:lnSpc>
+              <a:buFont typeface="Arial" panose="020B0604020202020204" pitchFamily="34" charset="0"/>
+              <a:buChar char="•"/>
+            </a:pPr>
+            <a:endParaRPr lang="en-US" altLang="en-US" sz="1540" dirty="0">
+              <a:solidFill>
+                <a:srgbClr val="262626"/>
+              </a:solidFill>
+            </a:endParaRPr>
+          </a:p>
+          <a:p>
+            <a:pPr marL="228600" lvl="0" indent="-228600" defTabSz="342900">
+              <a:lnSpc>
+                <a:spcPct val="120000"/>
+              </a:lnSpc>
+              <a:buFont typeface="Arial" panose="020B0604020202020204" pitchFamily="34" charset="0"/>
+              <a:buChar char="•"/>
+            </a:pPr>
+            <a:endParaRPr lang="en-US" altLang="en-US" sz="1540" dirty="0">
+              <a:solidFill>
+                <a:srgbClr val="262626"/>
+              </a:solidFill>
+            </a:endParaRPr>
+          </a:p>
+          <a:p>
+            <a:pPr marL="228600" lvl="0" indent="-228600" defTabSz="342900">
+              <a:lnSpc>
+                <a:spcPct val="120000"/>
+              </a:lnSpc>
+              <a:buFont typeface="Arial" panose="020B0604020202020204" pitchFamily="34" charset="0"/>
+              <a:buChar char="•"/>
+            </a:pPr>
+            <a:endParaRPr lang="en-US" altLang="en-US" sz="1540" dirty="0">
+              <a:solidFill>
+                <a:srgbClr val="262626"/>
+              </a:solidFill>
+            </a:endParaRPr>
+          </a:p>
+          <a:p>
+            <a:pPr marL="228600" lvl="0" indent="-228600" defTabSz="342900">
+              <a:lnSpc>
+                <a:spcPct val="120000"/>
+              </a:lnSpc>
+              <a:buFont typeface="Arial" panose="020B0604020202020204" pitchFamily="34" charset="0"/>
+              <a:buChar char="•"/>
+            </a:pPr>
+            <a:endParaRPr lang="en-US" altLang="en-US" sz="1540" dirty="0">
+              <a:solidFill>
+                <a:srgbClr val="262626"/>
+              </a:solidFill>
+            </a:endParaRPr>
+          </a:p>
+          <a:p>
+            <a:pPr marL="228600" lvl="0" indent="-228600" defTabSz="342900">
+              <a:lnSpc>
+                <a:spcPct val="120000"/>
+              </a:lnSpc>
+              <a:buFont typeface="Arial" panose="020B0604020202020204" pitchFamily="34" charset="0"/>
+              <a:buChar char="•"/>
+            </a:pPr>
+            <a:endParaRPr lang="en-US" altLang="en-US" sz="1540" dirty="0">
+              <a:solidFill>
+                <a:srgbClr val="262626"/>
+              </a:solidFill>
+            </a:endParaRPr>
+          </a:p>
+          <a:p>
+            <a:pPr marL="228600" lvl="0" indent="-228600" defTabSz="342900">
+              <a:lnSpc>
+                <a:spcPct val="120000"/>
+              </a:lnSpc>
+              <a:buFont typeface="Arial" panose="020B0604020202020204" pitchFamily="34" charset="0"/>
+              <a:buChar char="•"/>
+            </a:pPr>
+            <a:r>
+              <a:rPr lang="en-US" altLang="en-US" sz="1540" dirty="0">
+                <a:solidFill>
+                  <a:srgbClr val="262626"/>
+                </a:solidFill>
+              </a:rPr>
+              <a:t>1NF:</a:t>
+            </a:r>
+            <a:r>
+              <a:rPr lang="en-US" altLang="en-US" sz="1535" dirty="0">
+                <a:solidFill>
+                  <a:srgbClr val="262626"/>
+                </a:solidFill>
+                <a:sym typeface="+mn-ea"/>
+              </a:rPr>
+              <a:t> Each table cell should contain a single value.</a:t>
+            </a:r>
+            <a:endParaRPr lang="en-US" altLang="en-US" sz="1540" dirty="0">
+              <a:solidFill>
+                <a:srgbClr val="262626"/>
+              </a:solidFill>
+            </a:endParaRPr>
+          </a:p>
+          <a:p>
+            <a:pPr marL="228600" lvl="0" indent="-228600" defTabSz="342900">
+              <a:lnSpc>
+                <a:spcPct val="120000"/>
+              </a:lnSpc>
+              <a:buFont typeface="Arial" panose="020B0604020202020204" pitchFamily="34" charset="0"/>
+              <a:buChar char="•"/>
+            </a:pPr>
+            <a:endParaRPr lang="en-US" altLang="en-US" sz="1540" dirty="0">
+              <a:solidFill>
+                <a:srgbClr val="262626"/>
+              </a:solidFill>
+            </a:endParaRPr>
+          </a:p>
+          <a:p>
+            <a:pPr marL="228600" lvl="0" indent="-228600" defTabSz="342900">
+              <a:lnSpc>
+                <a:spcPct val="120000"/>
+              </a:lnSpc>
+              <a:buFont typeface="Arial" panose="020B0604020202020204" pitchFamily="34" charset="0"/>
+              <a:buChar char="•"/>
+            </a:pPr>
+            <a:endParaRPr lang="en-US" altLang="en-US" sz="1540" dirty="0">
+              <a:solidFill>
+                <a:srgbClr val="262626"/>
+              </a:solidFill>
+            </a:endParaRPr>
+          </a:p>
+          <a:p>
+            <a:pPr marL="228600" lvl="0" indent="-228600" defTabSz="342900">
+              <a:lnSpc>
+                <a:spcPct val="120000"/>
+              </a:lnSpc>
+              <a:buFont typeface="Arial" panose="020B0604020202020204" pitchFamily="34" charset="0"/>
+              <a:buChar char="•"/>
+            </a:pPr>
+            <a:endParaRPr lang="en-US" altLang="en-US" sz="1540" dirty="0">
+              <a:solidFill>
+                <a:srgbClr val="262626"/>
+              </a:solidFill>
+            </a:endParaRPr>
+          </a:p>
+          <a:p>
+            <a:pPr marL="228600" lvl="0" indent="-228600" defTabSz="342900">
+              <a:lnSpc>
+                <a:spcPct val="120000"/>
+              </a:lnSpc>
+              <a:buFont typeface="Arial" panose="020B0604020202020204" pitchFamily="34" charset="0"/>
+              <a:buChar char="•"/>
+            </a:pPr>
+            <a:endParaRPr lang="en-US" altLang="en-US" sz="1540" dirty="0">
+              <a:solidFill>
+                <a:srgbClr val="262626"/>
+              </a:solidFill>
+            </a:endParaRPr>
+          </a:p>
+          <a:p>
+            <a:pPr marL="228600" lvl="0" indent="-228600" defTabSz="342900">
+              <a:lnSpc>
+                <a:spcPct val="120000"/>
+              </a:lnSpc>
+              <a:buFont typeface="Arial" panose="020B0604020202020204" pitchFamily="34" charset="0"/>
+              <a:buChar char="•"/>
+            </a:pPr>
+            <a:endParaRPr lang="en-US" altLang="en-US" sz="1540" dirty="0">
+              <a:solidFill>
+                <a:srgbClr val="262626"/>
+              </a:solidFill>
+            </a:endParaRPr>
+          </a:p>
+          <a:p>
+            <a:pPr marL="0" lvl="0" indent="0" defTabSz="342900">
+              <a:lnSpc>
+                <a:spcPct val="120000"/>
+              </a:lnSpc>
+              <a:buFont typeface="Arial" panose="020B0604020202020204" pitchFamily="34" charset="0"/>
+              <a:buNone/>
+            </a:pPr>
+            <a:endParaRPr lang="en-US" altLang="en-US" sz="1540" dirty="0">
+              <a:solidFill>
+                <a:srgbClr val="262626"/>
+              </a:solidFill>
+            </a:endParaRPr>
+          </a:p>
+        </p:txBody>
+      </p:sp>
+      <p:pic>
+        <p:nvPicPr>
+          <p:cNvPr id="4" name="图片 3"/>
+          <p:cNvPicPr>
+            <a:picLocks noChangeAspect="1"/>
+          </p:cNvPicPr>
+          <p:nvPr/>
+        </p:nvPicPr>
+        <p:blipFill>
+          <a:blip r:embed="rId1"/>
+          <a:stretch>
+            <a:fillRect/>
+          </a:stretch>
+        </p:blipFill>
+        <p:spPr>
+          <a:xfrm>
+            <a:off x="750570" y="1297305"/>
+            <a:ext cx="7134225" cy="2486025"/>
+          </a:xfrm>
+          <a:prstGeom prst="rect">
+            <a:avLst/>
+          </a:prstGeom>
+        </p:spPr>
+      </p:pic>
+      <p:pic>
+        <p:nvPicPr>
+          <p:cNvPr id="5" name="图片 4"/>
+          <p:cNvPicPr>
+            <a:picLocks noChangeAspect="1"/>
+          </p:cNvPicPr>
+          <p:nvPr/>
+        </p:nvPicPr>
+        <p:blipFill>
+          <a:blip r:embed="rId2"/>
+          <a:stretch>
+            <a:fillRect/>
+          </a:stretch>
+        </p:blipFill>
+        <p:spPr>
+          <a:xfrm>
+            <a:off x="750570" y="4067175"/>
+            <a:ext cx="7038975" cy="2790825"/>
+          </a:xfrm>
+          <a:prstGeom prst="rect">
+            <a:avLst/>
+          </a:prstGeom>
+        </p:spPr>
+      </p:pic>
+    </p:spTree>
+  </p:cSld>
+  <p:clrMapOvr>
+    <a:masterClrMapping/>
+  </p:clrMapOvr>
+</p:sld>
+</file>
+
+<file path=ppt/slides/slide4.xml><?xml version="1.0" encoding="utf-8"?>
+<p:sld xmlns:a="http://schemas.openxmlformats.org/drawingml/2006/main" xmlns:r="http://schemas.openxmlformats.org/officeDocument/2006/relationships" xmlns:p="http://schemas.openxmlformats.org/presentationml/2006/main">
+  <p:cSld>
+    <p:spTree>
+      <p:nvGrpSpPr>
+        <p:cNvPr id="1" name=""/>
+        <p:cNvGrpSpPr/>
+        <p:nvPr/>
+      </p:nvGrpSpPr>
+      <p:grpSpPr>
+        <a:xfrm>
+          <a:off x="0" y="0"/>
+          <a:ext cx="0" cy="0"/>
+          <a:chOff x="0" y="0"/>
+          <a:chExt cx="0" cy="0"/>
+        </a:xfrm>
+      </p:grpSpPr>
+      <p:sp>
+        <p:nvSpPr>
+          <p:cNvPr id="2" name="Title 1"/>
+          <p:cNvSpPr>
+            <a:spLocks noGrp="1"/>
+          </p:cNvSpPr>
+          <p:nvPr>
+            <p:ph type="title"/>
+          </p:nvPr>
+        </p:nvSpPr>
+        <p:spPr>
+          <a:xfrm>
+            <a:off x="628650" y="155263"/>
+            <a:ext cx="7886700" cy="526790"/>
+          </a:xfrm>
+        </p:spPr>
+        <p:txBody>
+          <a:bodyPr>
+            <a:normAutofit fontScale="90000"/>
+          </a:bodyPr>
+          <a:lstStyle/>
+          <a:p>
+            <a:pPr algn="ctr"/>
+            <a:r>
+              <a:rPr lang="en-US" sz="3200" b="1" dirty="0">
+                <a:latin typeface="Calibri" panose="020F0502020204030204" pitchFamily="34" charset="0"/>
+                <a:cs typeface="Calibri" panose="020F0502020204030204" pitchFamily="34" charset="0"/>
+              </a:rPr>
+              <a:t>DataBase Design</a:t>
+            </a:r>
+            <a:endParaRPr lang="en-US" sz="3200" b="1" dirty="0">
+              <a:latin typeface="Calibri" panose="020F0502020204030204" pitchFamily="34" charset="0"/>
+              <a:cs typeface="Calibri" panose="020F0502020204030204" pitchFamily="34" charset="0"/>
+            </a:endParaRPr>
+          </a:p>
+        </p:txBody>
+      </p:sp>
+      <p:sp>
+        <p:nvSpPr>
+          <p:cNvPr id="3" name="Content Placeholder 2"/>
+          <p:cNvSpPr>
+            <a:spLocks noGrp="1"/>
+          </p:cNvSpPr>
+          <p:nvPr>
+            <p:ph idx="1"/>
+          </p:nvPr>
+        </p:nvSpPr>
+        <p:spPr>
+          <a:xfrm>
+            <a:off x="628650" y="989044"/>
+            <a:ext cx="7886700" cy="5605719"/>
+          </a:xfrm>
+        </p:spPr>
+        <p:txBody>
+          <a:bodyPr>
+            <a:normAutofit lnSpcReduction="10000"/>
+          </a:bodyPr>
+          <a:lstStyle/>
+          <a:p>
+            <a:pPr marL="228600" lvl="0" indent="-228600" defTabSz="342900">
+              <a:lnSpc>
+                <a:spcPct val="120000"/>
+              </a:lnSpc>
+              <a:buFont typeface="Arial" panose="020B0604020202020204" pitchFamily="34" charset="0"/>
+              <a:buChar char="•"/>
+            </a:pPr>
+            <a:r>
+              <a:rPr lang="en-US" altLang="en-US" sz="1540" dirty="0">
+                <a:solidFill>
+                  <a:srgbClr val="262626"/>
+                </a:solidFill>
+              </a:rPr>
+              <a:t>2NF: Single Column Primary Key</a:t>
+            </a:r>
+            <a:endParaRPr lang="en-US" altLang="en-US" sz="1540" dirty="0">
+              <a:solidFill>
+                <a:srgbClr val="262626"/>
+              </a:solidFill>
+            </a:endParaRPr>
+          </a:p>
+          <a:p>
+            <a:pPr marL="228600" lvl="0" indent="-228600" defTabSz="342900">
+              <a:lnSpc>
+                <a:spcPct val="120000"/>
+              </a:lnSpc>
+              <a:buFont typeface="Arial" panose="020B0604020202020204" pitchFamily="34" charset="0"/>
+              <a:buChar char="•"/>
+            </a:pPr>
+            <a:endParaRPr lang="en-US" altLang="en-US" sz="1540" dirty="0">
+              <a:solidFill>
+                <a:srgbClr val="262626"/>
+              </a:solidFill>
+            </a:endParaRPr>
+          </a:p>
+          <a:p>
+            <a:pPr marL="228600" lvl="0" indent="-228600" defTabSz="342900">
+              <a:lnSpc>
+                <a:spcPct val="120000"/>
+              </a:lnSpc>
+              <a:buFont typeface="Arial" panose="020B0604020202020204" pitchFamily="34" charset="0"/>
+              <a:buChar char="•"/>
+            </a:pPr>
+            <a:endParaRPr lang="en-US" altLang="en-US" sz="1540" dirty="0">
+              <a:solidFill>
+                <a:srgbClr val="262626"/>
+              </a:solidFill>
+            </a:endParaRPr>
+          </a:p>
+          <a:p>
+            <a:pPr marL="228600" lvl="0" indent="-228600" defTabSz="342900">
+              <a:lnSpc>
+                <a:spcPct val="120000"/>
+              </a:lnSpc>
+              <a:buFont typeface="Arial" panose="020B0604020202020204" pitchFamily="34" charset="0"/>
+              <a:buChar char="•"/>
+            </a:pPr>
+            <a:endParaRPr lang="en-US" altLang="en-US" sz="1540" dirty="0">
+              <a:solidFill>
+                <a:srgbClr val="262626"/>
+              </a:solidFill>
+            </a:endParaRPr>
+          </a:p>
+          <a:p>
+            <a:pPr marL="228600" lvl="0" indent="-228600" defTabSz="342900">
+              <a:lnSpc>
+                <a:spcPct val="120000"/>
+              </a:lnSpc>
+              <a:buFont typeface="Arial" panose="020B0604020202020204" pitchFamily="34" charset="0"/>
+              <a:buChar char="•"/>
+            </a:pPr>
+            <a:endParaRPr lang="en-US" altLang="en-US" sz="1540" dirty="0">
+              <a:solidFill>
+                <a:srgbClr val="262626"/>
+              </a:solidFill>
+            </a:endParaRPr>
+          </a:p>
+          <a:p>
+            <a:pPr marL="228600" lvl="0" indent="-228600" defTabSz="342900">
+              <a:lnSpc>
+                <a:spcPct val="120000"/>
+              </a:lnSpc>
+              <a:buFont typeface="Arial" panose="020B0604020202020204" pitchFamily="34" charset="0"/>
+              <a:buChar char="•"/>
+            </a:pPr>
+            <a:endParaRPr lang="en-US" altLang="en-US" sz="1540" dirty="0">
+              <a:solidFill>
+                <a:srgbClr val="262626"/>
+              </a:solidFill>
+            </a:endParaRPr>
+          </a:p>
+          <a:p>
+            <a:pPr marL="228600" lvl="0" indent="-228600" defTabSz="342900">
+              <a:lnSpc>
+                <a:spcPct val="120000"/>
+              </a:lnSpc>
+              <a:buFont typeface="Arial" panose="020B0604020202020204" pitchFamily="34" charset="0"/>
+              <a:buChar char="•"/>
+            </a:pPr>
+            <a:endParaRPr lang="en-US" altLang="en-US" sz="1540" dirty="0">
+              <a:solidFill>
+                <a:srgbClr val="262626"/>
+              </a:solidFill>
+            </a:endParaRPr>
+          </a:p>
+          <a:p>
+            <a:pPr marL="228600" lvl="0" indent="-228600" defTabSz="342900">
+              <a:lnSpc>
+                <a:spcPct val="120000"/>
+              </a:lnSpc>
+              <a:buFont typeface="Arial" panose="020B0604020202020204" pitchFamily="34" charset="0"/>
+              <a:buChar char="•"/>
+            </a:pPr>
+            <a:endParaRPr lang="en-US" altLang="en-US" sz="1540" dirty="0">
+              <a:solidFill>
+                <a:srgbClr val="262626"/>
+              </a:solidFill>
+            </a:endParaRPr>
+          </a:p>
+          <a:p>
+            <a:pPr marL="228600" lvl="0" indent="-228600" defTabSz="342900">
+              <a:lnSpc>
+                <a:spcPct val="120000"/>
+              </a:lnSpc>
+              <a:buFont typeface="Arial" panose="020B0604020202020204" pitchFamily="34" charset="0"/>
+              <a:buChar char="•"/>
+            </a:pPr>
+            <a:r>
+              <a:rPr lang="en-US" altLang="en-US" sz="1540" dirty="0">
+                <a:solidFill>
+                  <a:srgbClr val="262626"/>
+                </a:solidFill>
+              </a:rPr>
+              <a:t>3NF:     Has no transitive functional dependencies</a:t>
+            </a:r>
+            <a:endParaRPr lang="en-US" altLang="en-US" sz="1540" dirty="0">
+              <a:solidFill>
+                <a:srgbClr val="262626"/>
+              </a:solidFill>
+            </a:endParaRPr>
+          </a:p>
+          <a:p>
+            <a:pPr marL="228600" lvl="0" indent="-228600" defTabSz="342900">
+              <a:lnSpc>
+                <a:spcPct val="120000"/>
+              </a:lnSpc>
+              <a:buFont typeface="Arial" panose="020B0604020202020204" pitchFamily="34" charset="0"/>
+              <a:buChar char="•"/>
+            </a:pPr>
+            <a:r>
+              <a:rPr lang="en-US" altLang="en-US" sz="1540" dirty="0">
+                <a:solidFill>
+                  <a:srgbClr val="262626"/>
+                </a:solidFill>
+              </a:rPr>
+              <a:t>A transitive functional dependency is when changing a non-key column, might cause any of the other non-key columns to change </a:t>
+            </a:r>
+            <a:endParaRPr lang="en-US" altLang="en-US" sz="1540" dirty="0">
+              <a:solidFill>
+                <a:srgbClr val="262626"/>
+              </a:solidFill>
+            </a:endParaRPr>
+          </a:p>
+          <a:p>
+            <a:pPr marL="228600" lvl="0" indent="-228600" defTabSz="342900">
+              <a:lnSpc>
+                <a:spcPct val="120000"/>
+              </a:lnSpc>
+              <a:buFont typeface="Arial" panose="020B0604020202020204" pitchFamily="34" charset="0"/>
+              <a:buChar char="•"/>
+            </a:pPr>
+            <a:endParaRPr lang="en-US" altLang="en-US" sz="1540" dirty="0">
+              <a:solidFill>
+                <a:srgbClr val="262626"/>
+              </a:solidFill>
+            </a:endParaRPr>
+          </a:p>
+          <a:p>
+            <a:pPr marL="228600" lvl="0" indent="-228600" defTabSz="342900">
+              <a:lnSpc>
+                <a:spcPct val="120000"/>
+              </a:lnSpc>
+              <a:buFont typeface="Arial" panose="020B0604020202020204" pitchFamily="34" charset="0"/>
+              <a:buChar char="•"/>
+            </a:pPr>
+            <a:endParaRPr lang="en-US" altLang="en-US" sz="1540" dirty="0">
+              <a:solidFill>
+                <a:srgbClr val="262626"/>
+              </a:solidFill>
+            </a:endParaRPr>
+          </a:p>
+          <a:p>
+            <a:pPr marL="228600" lvl="0" indent="-228600" defTabSz="342900">
+              <a:lnSpc>
+                <a:spcPct val="120000"/>
+              </a:lnSpc>
+              <a:buFont typeface="Arial" panose="020B0604020202020204" pitchFamily="34" charset="0"/>
+              <a:buChar char="•"/>
+            </a:pPr>
+            <a:endParaRPr lang="en-US" altLang="en-US" sz="1540" dirty="0">
+              <a:solidFill>
+                <a:srgbClr val="262626"/>
+              </a:solidFill>
+            </a:endParaRPr>
+          </a:p>
+          <a:p>
+            <a:pPr marL="228600" lvl="0" indent="-228600" defTabSz="342900">
+              <a:lnSpc>
+                <a:spcPct val="120000"/>
+              </a:lnSpc>
+              <a:buFont typeface="Arial" panose="020B0604020202020204" pitchFamily="34" charset="0"/>
+              <a:buChar char="•"/>
+            </a:pPr>
+            <a:endParaRPr lang="en-US" altLang="en-US" sz="1540" dirty="0">
+              <a:solidFill>
+                <a:srgbClr val="262626"/>
+              </a:solidFill>
+            </a:endParaRPr>
+          </a:p>
+          <a:p>
+            <a:pPr marL="0" lvl="0" indent="0" defTabSz="342900">
+              <a:lnSpc>
+                <a:spcPct val="120000"/>
+              </a:lnSpc>
+              <a:buFont typeface="Arial" panose="020B0604020202020204" pitchFamily="34" charset="0"/>
+              <a:buNone/>
+            </a:pPr>
+            <a:endParaRPr lang="en-US" altLang="en-US" sz="1540" dirty="0">
+              <a:solidFill>
+                <a:srgbClr val="262626"/>
+              </a:solidFill>
+            </a:endParaRPr>
+          </a:p>
+        </p:txBody>
+      </p:sp>
+      <p:pic>
+        <p:nvPicPr>
+          <p:cNvPr id="6" name="图片 5"/>
+          <p:cNvPicPr>
+            <a:picLocks noChangeAspect="1"/>
+          </p:cNvPicPr>
+          <p:nvPr/>
+        </p:nvPicPr>
+        <p:blipFill>
+          <a:blip r:embed="rId1"/>
+          <a:stretch>
+            <a:fillRect/>
+          </a:stretch>
+        </p:blipFill>
+        <p:spPr>
+          <a:xfrm>
+            <a:off x="628650" y="1409065"/>
+            <a:ext cx="6124575" cy="2486025"/>
+          </a:xfrm>
+          <a:prstGeom prst="rect">
+            <a:avLst/>
+          </a:prstGeom>
+        </p:spPr>
+      </p:pic>
+      <p:pic>
+        <p:nvPicPr>
+          <p:cNvPr id="7" name="图片 6"/>
+          <p:cNvPicPr>
+            <a:picLocks noChangeAspect="1"/>
+          </p:cNvPicPr>
+          <p:nvPr/>
+        </p:nvPicPr>
+        <p:blipFill>
+          <a:blip r:embed="rId2"/>
+          <a:stretch>
+            <a:fillRect/>
+          </a:stretch>
+        </p:blipFill>
+        <p:spPr>
+          <a:xfrm>
+            <a:off x="628650" y="5222875"/>
+            <a:ext cx="6429375" cy="1209675"/>
+          </a:xfrm>
+          <a:prstGeom prst="rect">
+            <a:avLst/>
+          </a:prstGeom>
+        </p:spPr>
+      </p:pic>
+    </p:spTree>
+  </p:cSld>
+  <p:clrMapOvr>
+    <a:masterClrMapping/>
+  </p:clrMapOvr>
+</p:sld>
+</file>
+
+<file path=ppt/slides/slide5.xml><?xml version="1.0" encoding="utf-8"?>
+<p:sld xmlns:a="http://schemas.openxmlformats.org/drawingml/2006/main" xmlns:r="http://schemas.openxmlformats.org/officeDocument/2006/relationships" xmlns:p="http://schemas.openxmlformats.org/presentationml/2006/main">
+  <p:cSld>
+    <p:spTree>
+      <p:nvGrpSpPr>
+        <p:cNvPr id="1" name=""/>
+        <p:cNvGrpSpPr/>
+        <p:nvPr/>
+      </p:nvGrpSpPr>
+      <p:grpSpPr>
+        <a:xfrm>
+          <a:off x="0" y="0"/>
+          <a:ext cx="0" cy="0"/>
+          <a:chOff x="0" y="0"/>
+          <a:chExt cx="0" cy="0"/>
+        </a:xfrm>
+      </p:grpSpPr>
+      <p:sp>
+        <p:nvSpPr>
+          <p:cNvPr id="2" name="Title 1"/>
+          <p:cNvSpPr>
+            <a:spLocks noGrp="1"/>
+          </p:cNvSpPr>
+          <p:nvPr>
+            <p:ph type="title"/>
+          </p:nvPr>
+        </p:nvSpPr>
+        <p:spPr>
+          <a:xfrm>
+            <a:off x="628650" y="155263"/>
+            <a:ext cx="7886700" cy="526790"/>
+          </a:xfrm>
+        </p:spPr>
+        <p:txBody>
+          <a:bodyPr>
+            <a:normAutofit fontScale="90000"/>
+          </a:bodyPr>
+          <a:lstStyle/>
+          <a:p>
+            <a:pPr algn="ctr"/>
+            <a:r>
+              <a:rPr lang="en-US" sz="3200" b="1" dirty="0">
+                <a:latin typeface="Calibri" panose="020F0502020204030204" pitchFamily="34" charset="0"/>
+                <a:cs typeface="Calibri" panose="020F0502020204030204" pitchFamily="34" charset="0"/>
+              </a:rPr>
+              <a:t>DataBase Design</a:t>
+            </a:r>
+            <a:endParaRPr lang="en-US" sz="3200" b="1" dirty="0">
+              <a:latin typeface="Calibri" panose="020F0502020204030204" pitchFamily="34" charset="0"/>
+              <a:cs typeface="Calibri" panose="020F0502020204030204" pitchFamily="34" charset="0"/>
+            </a:endParaRPr>
+          </a:p>
+        </p:txBody>
+      </p:sp>
+      <p:sp>
+        <p:nvSpPr>
+          <p:cNvPr id="3" name="Content Placeholder 2"/>
+          <p:cNvSpPr>
+            <a:spLocks noGrp="1"/>
+          </p:cNvSpPr>
+          <p:nvPr>
+            <p:ph idx="1"/>
+          </p:nvPr>
+        </p:nvSpPr>
+        <p:spPr>
+          <a:xfrm>
+            <a:off x="628650" y="989044"/>
+            <a:ext cx="7886700" cy="5605719"/>
+          </a:xfrm>
+        </p:spPr>
+        <p:txBody>
+          <a:bodyPr>
+            <a:normAutofit lnSpcReduction="10000"/>
+          </a:bodyPr>
+          <a:lstStyle/>
+          <a:p>
+            <a:pPr marL="228600" lvl="0" indent="-228600" defTabSz="342900">
+              <a:lnSpc>
+                <a:spcPct val="120000"/>
+              </a:lnSpc>
+              <a:buFont typeface="Arial" panose="020B0604020202020204" pitchFamily="34" charset="0"/>
+              <a:buChar char="•"/>
+            </a:pPr>
+            <a:r>
+              <a:rPr lang="en-US" altLang="en-US" sz="1540" dirty="0">
+                <a:solidFill>
+                  <a:srgbClr val="262626"/>
+                </a:solidFill>
+              </a:rPr>
+              <a:t>3NF</a:t>
+            </a:r>
+            <a:endParaRPr lang="en-US" altLang="en-US" sz="1540" dirty="0">
+              <a:solidFill>
+                <a:srgbClr val="262626"/>
+              </a:solidFill>
+            </a:endParaRPr>
+          </a:p>
+          <a:p>
+            <a:pPr marL="228600" lvl="0" indent="-228600" defTabSz="342900">
+              <a:lnSpc>
+                <a:spcPct val="120000"/>
+              </a:lnSpc>
+              <a:buFont typeface="Arial" panose="020B0604020202020204" pitchFamily="34" charset="0"/>
+              <a:buChar char="•"/>
+            </a:pPr>
+            <a:endParaRPr lang="en-US" altLang="en-US" sz="1540" dirty="0">
+              <a:solidFill>
+                <a:srgbClr val="262626"/>
+              </a:solidFill>
+            </a:endParaRPr>
+          </a:p>
+          <a:p>
+            <a:pPr marL="228600" lvl="0" indent="-228600" defTabSz="342900">
+              <a:lnSpc>
+                <a:spcPct val="120000"/>
+              </a:lnSpc>
+              <a:buFont typeface="Arial" panose="020B0604020202020204" pitchFamily="34" charset="0"/>
+              <a:buChar char="•"/>
+            </a:pPr>
+            <a:endParaRPr lang="en-US" altLang="en-US" sz="1540" dirty="0">
+              <a:solidFill>
+                <a:srgbClr val="262626"/>
+              </a:solidFill>
+            </a:endParaRPr>
+          </a:p>
+          <a:p>
+            <a:pPr marL="228600" lvl="0" indent="-228600" defTabSz="342900">
+              <a:lnSpc>
+                <a:spcPct val="120000"/>
+              </a:lnSpc>
+              <a:buFont typeface="Arial" panose="020B0604020202020204" pitchFamily="34" charset="0"/>
+              <a:buChar char="•"/>
+            </a:pPr>
+            <a:endParaRPr lang="en-US" altLang="en-US" sz="1540" dirty="0">
+              <a:solidFill>
+                <a:srgbClr val="262626"/>
+              </a:solidFill>
+            </a:endParaRPr>
+          </a:p>
+          <a:p>
+            <a:pPr marL="228600" lvl="0" indent="-228600" defTabSz="342900">
+              <a:lnSpc>
+                <a:spcPct val="120000"/>
+              </a:lnSpc>
+              <a:buFont typeface="Arial" panose="020B0604020202020204" pitchFamily="34" charset="0"/>
+              <a:buChar char="•"/>
+            </a:pPr>
+            <a:endParaRPr lang="en-US" altLang="en-US" sz="1540" dirty="0">
+              <a:solidFill>
+                <a:srgbClr val="262626"/>
+              </a:solidFill>
+            </a:endParaRPr>
+          </a:p>
+          <a:p>
+            <a:pPr marL="228600" lvl="0" indent="-228600" defTabSz="342900">
+              <a:lnSpc>
+                <a:spcPct val="120000"/>
+              </a:lnSpc>
+              <a:buFont typeface="Arial" panose="020B0604020202020204" pitchFamily="34" charset="0"/>
+              <a:buChar char="•"/>
+            </a:pPr>
+            <a:endParaRPr lang="en-US" altLang="en-US" sz="1540" dirty="0">
+              <a:solidFill>
+                <a:srgbClr val="262626"/>
+              </a:solidFill>
+            </a:endParaRPr>
+          </a:p>
+          <a:p>
+            <a:pPr marL="0" lvl="0" indent="0" defTabSz="342900">
+              <a:lnSpc>
+                <a:spcPct val="120000"/>
+              </a:lnSpc>
+              <a:buFont typeface="Arial" panose="020B0604020202020204" pitchFamily="34" charset="0"/>
+              <a:buNone/>
+            </a:pPr>
+            <a:endParaRPr lang="en-US" altLang="en-US" sz="1540" dirty="0">
+              <a:solidFill>
+                <a:srgbClr val="262626"/>
+              </a:solidFill>
+            </a:endParaRPr>
+          </a:p>
+        </p:txBody>
+      </p:sp>
+      <p:pic>
+        <p:nvPicPr>
+          <p:cNvPr id="4" name="图片 3"/>
+          <p:cNvPicPr>
+            <a:picLocks noChangeAspect="1"/>
+          </p:cNvPicPr>
+          <p:nvPr/>
+        </p:nvPicPr>
+        <p:blipFill>
+          <a:blip r:embed="rId1"/>
+          <a:stretch>
+            <a:fillRect/>
+          </a:stretch>
+        </p:blipFill>
+        <p:spPr>
+          <a:xfrm>
+            <a:off x="1681480" y="1863090"/>
+            <a:ext cx="5781675" cy="3857625"/>
+          </a:xfrm>
+          <a:prstGeom prst="rect">
+            <a:avLst/>
+          </a:prstGeom>
+        </p:spPr>
+      </p:pic>
+    </p:spTree>
+  </p:cSld>
+  <p:clrMapOvr>
+    <a:masterClrMapping/>
+  </p:clrMapOvr>
+</p:sld>
+</file>
+
+<file path=ppt/slides/slide6.xml><?xml version="1.0" encoding="utf-8"?>
+<p:sld xmlns:a="http://schemas.openxmlformats.org/drawingml/2006/main" xmlns:r="http://schemas.openxmlformats.org/officeDocument/2006/relationships" xmlns:p="http://schemas.openxmlformats.org/presentationml/2006/main">
+  <p:cSld>
+    <p:spTree>
+      <p:nvGrpSpPr>
+        <p:cNvPr id="1" name=""/>
+        <p:cNvGrpSpPr/>
+        <p:nvPr/>
+      </p:nvGrpSpPr>
+      <p:grpSpPr>
+        <a:xfrm>
+          <a:off x="0" y="0"/>
+          <a:ext cx="0" cy="0"/>
+          <a:chOff x="0" y="0"/>
+          <a:chExt cx="0" cy="0"/>
+        </a:xfrm>
+      </p:grpSpPr>
+      <p:sp>
+        <p:nvSpPr>
+          <p:cNvPr id="2" name="Title 1"/>
+          <p:cNvSpPr>
+            <a:spLocks noGrp="1"/>
+          </p:cNvSpPr>
+          <p:nvPr>
+            <p:ph type="title"/>
+          </p:nvPr>
+        </p:nvSpPr>
+        <p:spPr>
+          <a:xfrm>
+            <a:off x="628650" y="155263"/>
+            <a:ext cx="7886700" cy="526790"/>
+          </a:xfrm>
+        </p:spPr>
+        <p:txBody>
+          <a:bodyPr>
+            <a:normAutofit fontScale="90000"/>
+          </a:bodyPr>
+          <a:lstStyle/>
+          <a:p>
+            <a:pPr algn="ctr"/>
+            <a:r>
+              <a:rPr lang="en-US" sz="3200" b="1" dirty="0">
+                <a:latin typeface="Calibri" panose="020F0502020204030204" pitchFamily="34" charset="0"/>
+                <a:cs typeface="Calibri" panose="020F0502020204030204" pitchFamily="34" charset="0"/>
+              </a:rPr>
+              <a:t>DataBase Design</a:t>
+            </a:r>
+            <a:endParaRPr lang="en-US" sz="3200" b="1" dirty="0">
+              <a:latin typeface="Calibri" panose="020F0502020204030204" pitchFamily="34" charset="0"/>
+              <a:cs typeface="Calibri" panose="020F0502020204030204" pitchFamily="34" charset="0"/>
+            </a:endParaRPr>
+          </a:p>
+        </p:txBody>
+      </p:sp>
+      <p:sp>
+        <p:nvSpPr>
+          <p:cNvPr id="3" name="Content Placeholder 2"/>
+          <p:cNvSpPr>
+            <a:spLocks noGrp="1"/>
+          </p:cNvSpPr>
+          <p:nvPr>
+            <p:ph idx="1"/>
+          </p:nvPr>
+        </p:nvSpPr>
+        <p:spPr>
+          <a:xfrm>
+            <a:off x="628650" y="989044"/>
+            <a:ext cx="7886700" cy="5605719"/>
+          </a:xfrm>
+        </p:spPr>
+        <p:txBody>
+          <a:bodyPr>
+            <a:normAutofit lnSpcReduction="10000"/>
+          </a:bodyPr>
+          <a:lstStyle/>
+          <a:p>
+            <a:pPr marL="228600" lvl="0" indent="-228600" defTabSz="342900">
+              <a:lnSpc>
+                <a:spcPct val="120000"/>
+              </a:lnSpc>
+              <a:buFont typeface="Arial" panose="020B0604020202020204" pitchFamily="34" charset="0"/>
+              <a:buChar char="•"/>
+            </a:pPr>
+            <a:r>
+              <a:rPr lang="en-US" altLang="en-US" sz="1540" dirty="0">
+                <a:solidFill>
+                  <a:srgbClr val="262626"/>
+                </a:solidFill>
+              </a:rPr>
+              <a:t>Embedded Data Models:  you may embed related data in a single structure or document</a:t>
+            </a:r>
+            <a:endParaRPr lang="en-US" altLang="en-US" sz="1540" dirty="0">
+              <a:solidFill>
+                <a:srgbClr val="262626"/>
+              </a:solidFill>
+            </a:endParaRPr>
+          </a:p>
+          <a:p>
+            <a:pPr marL="228600" lvl="0" indent="-228600" defTabSz="342900">
+              <a:lnSpc>
+                <a:spcPct val="120000"/>
+              </a:lnSpc>
+              <a:buFont typeface="Arial" panose="020B0604020202020204" pitchFamily="34" charset="0"/>
+              <a:buChar char="•"/>
+            </a:pPr>
+            <a:endParaRPr lang="en-US" altLang="en-US" sz="1540" dirty="0">
+              <a:solidFill>
+                <a:srgbClr val="262626"/>
+              </a:solidFill>
+            </a:endParaRPr>
+          </a:p>
+          <a:p>
+            <a:pPr marL="228600" lvl="0" indent="-228600" defTabSz="342900">
+              <a:lnSpc>
+                <a:spcPct val="120000"/>
+              </a:lnSpc>
+              <a:buFont typeface="Arial" panose="020B0604020202020204" pitchFamily="34" charset="0"/>
+              <a:buChar char="•"/>
+            </a:pPr>
+            <a:endParaRPr lang="en-US" altLang="en-US" sz="1540" dirty="0">
+              <a:solidFill>
+                <a:srgbClr val="262626"/>
+              </a:solidFill>
+            </a:endParaRPr>
+          </a:p>
+          <a:p>
+            <a:pPr marL="228600" lvl="0" indent="-228600" defTabSz="342900">
+              <a:lnSpc>
+                <a:spcPct val="120000"/>
+              </a:lnSpc>
+              <a:buFont typeface="Arial" panose="020B0604020202020204" pitchFamily="34" charset="0"/>
+              <a:buChar char="•"/>
+            </a:pPr>
+            <a:endParaRPr lang="en-US" altLang="en-US" sz="1540" dirty="0">
+              <a:solidFill>
+                <a:srgbClr val="262626"/>
+              </a:solidFill>
+            </a:endParaRPr>
+          </a:p>
+          <a:p>
+            <a:pPr marL="228600" lvl="0" indent="-228600" defTabSz="342900">
+              <a:lnSpc>
+                <a:spcPct val="120000"/>
+              </a:lnSpc>
+              <a:buFont typeface="Arial" panose="020B0604020202020204" pitchFamily="34" charset="0"/>
+              <a:buChar char="•"/>
+            </a:pPr>
+            <a:endParaRPr lang="en-US" altLang="en-US" sz="1540" dirty="0">
+              <a:solidFill>
+                <a:srgbClr val="262626"/>
+              </a:solidFill>
+            </a:endParaRPr>
+          </a:p>
+          <a:p>
+            <a:pPr marL="228600" lvl="0" indent="-228600" defTabSz="342900">
+              <a:lnSpc>
+                <a:spcPct val="120000"/>
+              </a:lnSpc>
+              <a:buFont typeface="Arial" panose="020B0604020202020204" pitchFamily="34" charset="0"/>
+              <a:buChar char="•"/>
+            </a:pPr>
+            <a:endParaRPr lang="en-US" altLang="en-US" sz="1540" dirty="0">
+              <a:solidFill>
+                <a:srgbClr val="262626"/>
+              </a:solidFill>
+            </a:endParaRPr>
+          </a:p>
+          <a:p>
+            <a:pPr marL="228600" lvl="0" indent="-228600" defTabSz="342900">
+              <a:lnSpc>
+                <a:spcPct val="120000"/>
+              </a:lnSpc>
+              <a:buFont typeface="Arial" panose="020B0604020202020204" pitchFamily="34" charset="0"/>
+              <a:buChar char="•"/>
+            </a:pPr>
+            <a:endParaRPr lang="en-US" altLang="en-US" sz="1540" dirty="0">
+              <a:solidFill>
+                <a:srgbClr val="262626"/>
+              </a:solidFill>
+            </a:endParaRPr>
+          </a:p>
+          <a:p>
+            <a:pPr marL="0" lvl="0" indent="0" defTabSz="342900">
+              <a:lnSpc>
+                <a:spcPct val="120000"/>
+              </a:lnSpc>
+              <a:buFont typeface="Arial" panose="020B0604020202020204" pitchFamily="34" charset="0"/>
+              <a:buNone/>
+            </a:pPr>
+            <a:endParaRPr lang="en-US" altLang="en-US" sz="1540" dirty="0">
+              <a:solidFill>
+                <a:srgbClr val="262626"/>
+              </a:solidFill>
+            </a:endParaRPr>
+          </a:p>
+        </p:txBody>
+      </p:sp>
+      <p:pic>
+        <p:nvPicPr>
+          <p:cNvPr id="7" name="图片 6"/>
+          <p:cNvPicPr>
+            <a:picLocks noChangeAspect="1"/>
+          </p:cNvPicPr>
+          <p:nvPr/>
+        </p:nvPicPr>
+        <p:blipFill>
+          <a:blip r:embed="rId1"/>
+          <a:stretch>
+            <a:fillRect/>
+          </a:stretch>
+        </p:blipFill>
+        <p:spPr>
+          <a:xfrm>
+            <a:off x="1181100" y="1624330"/>
+            <a:ext cx="6781800" cy="3609975"/>
+          </a:xfrm>
+          <a:prstGeom prst="rect">
+            <a:avLst/>
+          </a:prstGeom>
+        </p:spPr>
+      </p:pic>
+    </p:spTree>
+  </p:cSld>
+  <p:clrMapOvr>
+    <a:masterClrMapping/>
+  </p:clrMapOvr>
+</p:sld>
+</file>
+
+<file path=ppt/slides/slide7.xml><?xml version="1.0" encoding="utf-8"?>
+<p:sld xmlns:a="http://schemas.openxmlformats.org/drawingml/2006/main" xmlns:r="http://schemas.openxmlformats.org/officeDocument/2006/relationships" xmlns:p="http://schemas.openxmlformats.org/presentationml/2006/main">
+  <p:cSld>
+    <p:spTree>
+      <p:nvGrpSpPr>
+        <p:cNvPr id="1" name=""/>
+        <p:cNvGrpSpPr/>
+        <p:nvPr/>
+      </p:nvGrpSpPr>
+      <p:grpSpPr>
+        <a:xfrm>
+          <a:off x="0" y="0"/>
+          <a:ext cx="0" cy="0"/>
+          <a:chOff x="0" y="0"/>
+          <a:chExt cx="0" cy="0"/>
+        </a:xfrm>
+      </p:grpSpPr>
+      <p:sp>
+        <p:nvSpPr>
+          <p:cNvPr id="2" name="Title 1"/>
+          <p:cNvSpPr>
+            <a:spLocks noGrp="1"/>
+          </p:cNvSpPr>
+          <p:nvPr>
+            <p:ph type="title"/>
+          </p:nvPr>
+        </p:nvSpPr>
+        <p:spPr>
+          <a:xfrm>
+            <a:off x="628650" y="155263"/>
+            <a:ext cx="7886700" cy="526790"/>
+          </a:xfrm>
+        </p:spPr>
+        <p:txBody>
+          <a:bodyPr>
+            <a:normAutofit fontScale="90000"/>
+          </a:bodyPr>
+          <a:lstStyle/>
+          <a:p>
+            <a:pPr algn="ctr"/>
+            <a:r>
+              <a:rPr lang="en-US" sz="3200" b="1" dirty="0">
+                <a:latin typeface="Calibri" panose="020F0502020204030204" pitchFamily="34" charset="0"/>
+                <a:cs typeface="Calibri" panose="020F0502020204030204" pitchFamily="34" charset="0"/>
+              </a:rPr>
+              <a:t>DataBase Design</a:t>
+            </a:r>
+            <a:endParaRPr lang="en-US" sz="3200" b="1" dirty="0">
+              <a:latin typeface="Calibri" panose="020F0502020204030204" pitchFamily="34" charset="0"/>
+              <a:cs typeface="Calibri" panose="020F0502020204030204" pitchFamily="34" charset="0"/>
+            </a:endParaRPr>
+          </a:p>
+        </p:txBody>
+      </p:sp>
+      <p:sp>
+        <p:nvSpPr>
+          <p:cNvPr id="3" name="Content Placeholder 2"/>
+          <p:cNvSpPr>
+            <a:spLocks noGrp="1"/>
+          </p:cNvSpPr>
+          <p:nvPr>
+            <p:ph idx="1"/>
+          </p:nvPr>
+        </p:nvSpPr>
+        <p:spPr>
+          <a:xfrm>
+            <a:off x="628650" y="989044"/>
+            <a:ext cx="7886700" cy="5605719"/>
+          </a:xfrm>
+        </p:spPr>
+        <p:txBody>
+          <a:bodyPr>
+            <a:normAutofit lnSpcReduction="10000"/>
+          </a:bodyPr>
+          <a:lstStyle/>
+          <a:p>
+            <a:pPr marL="228600" lvl="0" indent="-228600" defTabSz="342900">
+              <a:lnSpc>
+                <a:spcPct val="120000"/>
+              </a:lnSpc>
+              <a:buFont typeface="Arial" panose="020B0604020202020204" pitchFamily="34" charset="0"/>
+              <a:buChar char="•"/>
+            </a:pPr>
+            <a:r>
+              <a:rPr lang="en-US" altLang="en-US" sz="1540" dirty="0">
+                <a:solidFill>
+                  <a:srgbClr val="262626"/>
+                </a:solidFill>
+              </a:rPr>
+              <a:t>Normalized Data Models: Normalized data models describe relationships using references between documents</a:t>
+            </a:r>
+            <a:endParaRPr lang="en-US" altLang="en-US" sz="1540" dirty="0">
+              <a:solidFill>
+                <a:srgbClr val="262626"/>
+              </a:solidFill>
+            </a:endParaRPr>
+          </a:p>
+          <a:p>
+            <a:pPr marL="228600" lvl="0" indent="-228600" defTabSz="342900">
+              <a:lnSpc>
+                <a:spcPct val="120000"/>
+              </a:lnSpc>
+              <a:buFont typeface="Arial" panose="020B0604020202020204" pitchFamily="34" charset="0"/>
+              <a:buChar char="•"/>
+            </a:pPr>
+            <a:endParaRPr lang="en-US" altLang="en-US" sz="1540" dirty="0">
+              <a:solidFill>
+                <a:srgbClr val="262626"/>
+              </a:solidFill>
+            </a:endParaRPr>
+          </a:p>
+        </p:txBody>
+      </p:sp>
+      <p:pic>
+        <p:nvPicPr>
+          <p:cNvPr id="5" name="图片 4"/>
+          <p:cNvPicPr>
+            <a:picLocks noChangeAspect="1"/>
+          </p:cNvPicPr>
+          <p:nvPr/>
+        </p:nvPicPr>
+        <p:blipFill>
+          <a:blip r:embed="rId1"/>
+          <a:stretch>
+            <a:fillRect/>
+          </a:stretch>
+        </p:blipFill>
+        <p:spPr>
+          <a:xfrm>
+            <a:off x="1066800" y="1687195"/>
+            <a:ext cx="7010400" cy="4210050"/>
+          </a:xfrm>
+          <a:prstGeom prst="rect">
+            <a:avLst/>
+          </a:prstGeom>
+        </p:spPr>
+      </p:pic>
+    </p:spTree>
+  </p:cSld>
+  <p:clrMapOvr>
+    <a:masterClrMapping/>
+  </p:clrMapOvr>
+</p:sld>
+</file>
+
+<file path=ppt/slides/slide8.xml><?xml version="1.0" encoding="utf-8"?>
+<p:sld xmlns:a="http://schemas.openxmlformats.org/drawingml/2006/main" xmlns:r="http://schemas.openxmlformats.org/officeDocument/2006/relationships" xmlns:p="http://schemas.openxmlformats.org/presentationml/2006/main">
+  <p:cSld>
+    <p:spTree>
+      <p:nvGrpSpPr>
+        <p:cNvPr id="1" name=""/>
+        <p:cNvGrpSpPr/>
+        <p:nvPr/>
+      </p:nvGrpSpPr>
+      <p:grpSpPr>
+        <a:xfrm>
+          <a:off x="0" y="0"/>
+          <a:ext cx="0" cy="0"/>
+          <a:chOff x="0" y="0"/>
+          <a:chExt cx="0" cy="0"/>
+        </a:xfrm>
+      </p:grpSpPr>
+      <p:sp>
+        <p:nvSpPr>
+          <p:cNvPr id="2" name="Title 1"/>
+          <p:cNvSpPr>
+            <a:spLocks noGrp="1"/>
+          </p:cNvSpPr>
+          <p:nvPr>
+            <p:ph type="title"/>
+          </p:nvPr>
+        </p:nvSpPr>
+        <p:spPr>
+          <a:xfrm>
+            <a:off x="628650" y="155263"/>
+            <a:ext cx="7886700" cy="526790"/>
+          </a:xfrm>
+        </p:spPr>
+        <p:txBody>
+          <a:bodyPr>
+            <a:normAutofit fontScale="90000"/>
+          </a:bodyPr>
+          <a:lstStyle/>
+          <a:p>
+            <a:pPr algn="ctr"/>
+            <a:r>
+              <a:rPr lang="en-US" sz="3200" b="1" dirty="0">
+                <a:latin typeface="Calibri" panose="020F0502020204030204" pitchFamily="34" charset="0"/>
+                <a:cs typeface="Calibri" panose="020F0502020204030204" pitchFamily="34" charset="0"/>
+              </a:rPr>
+              <a:t>DataBase Design</a:t>
+            </a:r>
+            <a:endParaRPr lang="en-US" sz="3200" b="1" dirty="0">
+              <a:latin typeface="Calibri" panose="020F0502020204030204" pitchFamily="34" charset="0"/>
+              <a:cs typeface="Calibri" panose="020F0502020204030204" pitchFamily="34" charset="0"/>
+            </a:endParaRPr>
+          </a:p>
+        </p:txBody>
+      </p:sp>
+      <p:sp>
+        <p:nvSpPr>
+          <p:cNvPr id="3" name="Content Placeholder 2"/>
+          <p:cNvSpPr>
+            <a:spLocks noGrp="1"/>
+          </p:cNvSpPr>
+          <p:nvPr>
+            <p:ph idx="1"/>
+          </p:nvPr>
+        </p:nvSpPr>
+        <p:spPr>
+          <a:xfrm>
+            <a:off x="628650" y="989044"/>
+            <a:ext cx="7886700" cy="5605719"/>
+          </a:xfrm>
+        </p:spPr>
+        <p:txBody>
+          <a:bodyPr>
+            <a:normAutofit lnSpcReduction="10000"/>
+          </a:bodyPr>
+          <a:lstStyle/>
+          <a:p>
+            <a:pPr marL="228600" lvl="0" indent="-228600" defTabSz="342900">
+              <a:lnSpc>
+                <a:spcPct val="120000"/>
+              </a:lnSpc>
+              <a:buFont typeface="Arial" panose="020B0604020202020204" pitchFamily="34" charset="0"/>
+              <a:buChar char="•"/>
+            </a:pPr>
+            <a:r>
+              <a:rPr lang="en-US" altLang="en-US" sz="1540" dirty="0">
+                <a:solidFill>
+                  <a:srgbClr val="262626"/>
+                </a:solidFill>
+              </a:rPr>
+              <a:t>How to design an embeded data model</a:t>
+            </a:r>
+            <a:endParaRPr lang="en-US" altLang="en-US" sz="1540" dirty="0">
+              <a:solidFill>
+                <a:srgbClr val="262626"/>
+              </a:solidFill>
+            </a:endParaRPr>
+          </a:p>
+          <a:p>
+            <a:pPr marL="228600" lvl="0" indent="-228600" defTabSz="342900">
+              <a:lnSpc>
+                <a:spcPct val="120000"/>
+              </a:lnSpc>
+              <a:buFont typeface="Arial" panose="020B0604020202020204" pitchFamily="34" charset="0"/>
+              <a:buChar char="•"/>
+            </a:pPr>
+            <a:endParaRPr lang="en-US" altLang="en-US" sz="1540" dirty="0">
+              <a:solidFill>
+                <a:srgbClr val="262626"/>
+              </a:solidFill>
+            </a:endParaRPr>
+          </a:p>
+          <a:p>
+            <a:pPr marL="228600" lvl="0" indent="-228600" defTabSz="342900">
+              <a:lnSpc>
+                <a:spcPct val="120000"/>
+              </a:lnSpc>
+              <a:buFont typeface="Arial" panose="020B0604020202020204" pitchFamily="34" charset="0"/>
+              <a:buChar char="•"/>
+            </a:pPr>
+            <a:r>
+              <a:rPr lang="en-US" altLang="en-US" sz="1540" dirty="0">
+                <a:solidFill>
+                  <a:srgbClr val="262626"/>
+                </a:solidFill>
+              </a:rPr>
+              <a:t>One to One Relationship</a:t>
+            </a:r>
+            <a:endParaRPr lang="en-US" altLang="en-US" sz="1540" dirty="0">
+              <a:solidFill>
+                <a:srgbClr val="262626"/>
+              </a:solidFill>
+            </a:endParaRPr>
+          </a:p>
+          <a:p>
+            <a:pPr marL="228600" lvl="0" indent="-228600" defTabSz="342900">
+              <a:lnSpc>
+                <a:spcPct val="120000"/>
+              </a:lnSpc>
+              <a:buFont typeface="Arial" panose="020B0604020202020204" pitchFamily="34" charset="0"/>
+              <a:buChar char="•"/>
+            </a:pPr>
+            <a:r>
+              <a:rPr lang="en-US" altLang="en-US" sz="1540" dirty="0">
+                <a:solidFill>
+                  <a:srgbClr val="262626"/>
+                </a:solidFill>
+              </a:rPr>
+              <a:t>One to Many Relationship</a:t>
+            </a:r>
+            <a:endParaRPr lang="en-US" altLang="en-US" sz="1540" dirty="0">
+              <a:solidFill>
+                <a:srgbClr val="262626"/>
+              </a:solidFill>
+            </a:endParaRPr>
+          </a:p>
+          <a:p>
+            <a:pPr marL="228600" lvl="0" indent="-228600" defTabSz="342900">
+              <a:lnSpc>
+                <a:spcPct val="120000"/>
+              </a:lnSpc>
+              <a:buFont typeface="Arial" panose="020B0604020202020204" pitchFamily="34" charset="0"/>
+              <a:buChar char="•"/>
+            </a:pPr>
+            <a:r>
+              <a:rPr lang="en-US" altLang="en-US" sz="1540" dirty="0">
+                <a:solidFill>
+                  <a:srgbClr val="262626"/>
+                </a:solidFill>
+              </a:rPr>
+              <a:t>Many to Many Replationship</a:t>
+            </a:r>
+            <a:endParaRPr lang="en-US" altLang="en-US" sz="1540" dirty="0">
+              <a:solidFill>
+                <a:srgbClr val="262626"/>
+              </a:solidFill>
+            </a:endParaRPr>
+          </a:p>
+          <a:p>
+            <a:pPr marL="228600" lvl="0" indent="-228600" defTabSz="342900">
+              <a:lnSpc>
+                <a:spcPct val="120000"/>
+              </a:lnSpc>
+              <a:buFont typeface="Arial" panose="020B0604020202020204" pitchFamily="34" charset="0"/>
+              <a:buChar char="•"/>
+            </a:pPr>
+            <a:endParaRPr lang="en-US" altLang="en-US" sz="1540" dirty="0">
+              <a:solidFill>
+                <a:srgbClr val="262626"/>
+              </a:solidFill>
+            </a:endParaRPr>
+          </a:p>
+          <a:p>
+            <a:pPr marL="228600" lvl="0" indent="-228600" defTabSz="342900">
+              <a:lnSpc>
+                <a:spcPct val="120000"/>
+              </a:lnSpc>
+              <a:buFont typeface="Arial" panose="020B0604020202020204" pitchFamily="34" charset="0"/>
+              <a:buChar char="•"/>
+            </a:pPr>
+            <a:endParaRPr lang="en-US" altLang="en-US" sz="1540" dirty="0">
+              <a:solidFill>
+                <a:srgbClr val="262626"/>
+              </a:solidFill>
+            </a:endParaRPr>
+          </a:p>
+        </p:txBody>
+      </p:sp>
+    </p:spTree>
+  </p:cSld>
+  <p:clrMapOvr>
+    <a:masterClrMapping/>
+  </p:clrMapOvr>
+</p:sld>
+</file>
+
 <file path=ppt/slides/slide9.xml><?xml version="1.0" encoding="utf-8"?>
 <p:sld xmlns:a="http://schemas.openxmlformats.org/drawingml/2006/main" xmlns:r="http://schemas.openxmlformats.org/officeDocument/2006/relationships" xmlns:p="http://schemas.openxmlformats.org/presentationml/2006/main">
   <p:cSld>
@@ -8842,7 +9967,7 @@
         </p:spPr>
         <p:txBody>
           <a:bodyPr>
-            <a:normAutofit lnSpcReduction="20000"/>
+            <a:normAutofit lnSpcReduction="10000"/>
           </a:bodyPr>
           <a:lstStyle/>
           <a:p>
@@ -8854,14 +9979,14 @@
               <a:buChar char="•"/>
             </a:pPr>
             <a:r>
-              <a:rPr lang="en-US" altLang="en-US" sz="1800" dirty="0">
+              <a:rPr lang="en-US" altLang="en-US" sz="1540" dirty="0">
                 <a:solidFill>
                   <a:srgbClr val="262626"/>
                 </a:solidFill>
               </a:rPr>
-              <a:t>Solidity Data Design</a:t>
-            </a:r>
-            <a:endParaRPr lang="en-US" altLang="en-US" sz="1800" dirty="0">
+              <a:t>One to One Relationship</a:t>
+            </a:r>
+            <a:endParaRPr lang="en-US" altLang="en-US" sz="1540" dirty="0">
               <a:solidFill>
                 <a:srgbClr val="262626"/>
               </a:solidFill>
@@ -8875,262 +10000,62 @@
               <a:buFont typeface="Arial" panose="020B0604020202020204" pitchFamily="34" charset="0"/>
               <a:buChar char="•"/>
             </a:pPr>
-            <a:r>
-              <a:rPr lang="en-US" altLang="en-US" sz="1800" dirty="0">
-                <a:solidFill>
-                  <a:srgbClr val="262626"/>
-                </a:solidFill>
-              </a:rPr>
-              <a:t>Mappings, Arrays, and Struct</a:t>
-            </a:r>
-            <a:endParaRPr lang="en-US" altLang="en-US" sz="1800" dirty="0">
+            <a:endParaRPr lang="en-US" altLang="en-US" sz="1540" dirty="0">
               <a:solidFill>
                 <a:srgbClr val="262626"/>
               </a:solidFill>
             </a:endParaRPr>
           </a:p>
-          <a:p>
-            <a:pPr marL="228600" lvl="0" indent="-228600" defTabSz="342900">
-              <a:lnSpc>
-                <a:spcPct val="120000"/>
-              </a:lnSpc>
-              <a:buFont typeface="Arial" panose="020B0604020202020204" pitchFamily="34" charset="0"/>
-              <a:buChar char="•"/>
-            </a:pPr>
-            <a:endParaRPr lang="en-US" altLang="en-US" sz="1800" dirty="0">
-              <a:solidFill>
-                <a:srgbClr val="262626"/>
-              </a:solidFill>
-            </a:endParaRPr>
-          </a:p>
-          <a:p>
-            <a:pPr marL="228600" lvl="0" indent="-228600" defTabSz="342900">
-              <a:lnSpc>
-                <a:spcPct val="120000"/>
-              </a:lnSpc>
-              <a:buFont typeface="Arial" panose="020B0604020202020204" pitchFamily="34" charset="0"/>
-              <a:buChar char="•"/>
-            </a:pPr>
-            <a:r>
-              <a:rPr lang="en-US" altLang="en-US" sz="1800" dirty="0">
-                <a:solidFill>
-                  <a:srgbClr val="262626"/>
-                </a:solidFill>
-              </a:rPr>
-              <a:t>Mappings: Key - Value</a:t>
-            </a:r>
-            <a:endParaRPr lang="en-US" altLang="en-US" sz="1800" dirty="0">
-              <a:solidFill>
-                <a:srgbClr val="262626"/>
-              </a:solidFill>
-            </a:endParaRPr>
-          </a:p>
-          <a:p>
-            <a:pPr marL="228600" lvl="0" indent="-228600" defTabSz="342900">
-              <a:lnSpc>
-                <a:spcPct val="120000"/>
-              </a:lnSpc>
-              <a:buFont typeface="Arial" panose="020B0604020202020204" pitchFamily="34" charset="0"/>
-              <a:buChar char="•"/>
-            </a:pPr>
-            <a:r>
-              <a:rPr lang="en-US" altLang="en-US" sz="1800" dirty="0">
-                <a:solidFill>
-                  <a:srgbClr val="262626"/>
-                </a:solidFill>
-              </a:rPr>
-              <a:t>mapping (address =&gt; uint) userBalances;</a:t>
-            </a:r>
-            <a:endParaRPr lang="en-US" altLang="en-US" sz="1800" dirty="0">
-              <a:solidFill>
-                <a:srgbClr val="262626"/>
-              </a:solidFill>
-            </a:endParaRPr>
-          </a:p>
-          <a:p>
-            <a:pPr marL="228600" lvl="0" indent="-228600" defTabSz="342900">
-              <a:lnSpc>
-                <a:spcPct val="120000"/>
-              </a:lnSpc>
-              <a:buFont typeface="Arial" panose="020B0604020202020204" pitchFamily="34" charset="0"/>
-              <a:buChar char="•"/>
-            </a:pPr>
-            <a:endParaRPr lang="en-US" altLang="en-US" sz="1800" dirty="0">
-              <a:solidFill>
-                <a:srgbClr val="262626"/>
-              </a:solidFill>
-            </a:endParaRPr>
-          </a:p>
-          <a:p>
-            <a:pPr marL="228600" lvl="0" indent="-228600" defTabSz="342900">
-              <a:lnSpc>
-                <a:spcPct val="120000"/>
-              </a:lnSpc>
-              <a:buFont typeface="Arial" panose="020B0604020202020204" pitchFamily="34" charset="0"/>
-              <a:buChar char="•"/>
-            </a:pPr>
-            <a:r>
-              <a:rPr lang="en-US" altLang="en-US" sz="1800" dirty="0">
-                <a:solidFill>
-                  <a:srgbClr val="262626"/>
-                </a:solidFill>
-              </a:rPr>
-              <a:t>Arrays: </a:t>
-            </a:r>
-            <a:endParaRPr lang="en-US" altLang="en-US" sz="1800" dirty="0">
-              <a:solidFill>
-                <a:srgbClr val="262626"/>
-              </a:solidFill>
-            </a:endParaRPr>
-          </a:p>
-          <a:p>
-            <a:pPr marL="228600" lvl="0" indent="-228600" defTabSz="342900">
-              <a:lnSpc>
-                <a:spcPct val="120000"/>
-              </a:lnSpc>
-              <a:buFont typeface="Arial" panose="020B0604020202020204" pitchFamily="34" charset="0"/>
-              <a:buChar char="•"/>
-            </a:pPr>
-            <a:r>
-              <a:rPr lang="en-US" altLang="en-US" sz="1800" dirty="0">
-                <a:solidFill>
-                  <a:srgbClr val="262626"/>
-                </a:solidFill>
-              </a:rPr>
-              <a:t>address[] userIndex;</a:t>
-            </a:r>
-            <a:endParaRPr lang="en-US" altLang="en-US" sz="1800" dirty="0">
-              <a:solidFill>
-                <a:srgbClr val="262626"/>
-              </a:solidFill>
-            </a:endParaRPr>
-          </a:p>
-          <a:p>
-            <a:pPr marL="228600" lvl="0" indent="-228600" defTabSz="342900">
-              <a:lnSpc>
-                <a:spcPct val="120000"/>
-              </a:lnSpc>
-              <a:buFont typeface="Arial" panose="020B0604020202020204" pitchFamily="34" charset="0"/>
-              <a:buChar char="•"/>
-            </a:pPr>
-            <a:r>
-              <a:rPr lang="en-US" altLang="en-US" sz="1800" dirty="0">
-                <a:solidFill>
-                  <a:srgbClr val="262626"/>
-                </a:solidFill>
-              </a:rPr>
-              <a:t>userIndex.push(anAddress);</a:t>
-            </a:r>
-            <a:endParaRPr lang="en-US" altLang="en-US" sz="1800" dirty="0">
-              <a:solidFill>
-                <a:srgbClr val="262626"/>
-              </a:solidFill>
-            </a:endParaRPr>
-          </a:p>
-          <a:p>
-            <a:pPr marL="228600" lvl="0" indent="-228600" defTabSz="342900">
-              <a:lnSpc>
-                <a:spcPct val="120000"/>
-              </a:lnSpc>
-              <a:buFont typeface="Arial" panose="020B0604020202020204" pitchFamily="34" charset="0"/>
-              <a:buChar char="•"/>
-            </a:pPr>
-            <a:endParaRPr lang="en-US" altLang="en-US" sz="1800" dirty="0">
-              <a:solidFill>
-                <a:srgbClr val="262626"/>
-              </a:solidFill>
-            </a:endParaRPr>
-          </a:p>
-          <a:p>
-            <a:pPr marL="228600" lvl="0" indent="-228600" defTabSz="342900">
-              <a:lnSpc>
-                <a:spcPct val="120000"/>
-              </a:lnSpc>
-              <a:buFont typeface="Arial" panose="020B0604020202020204" pitchFamily="34" charset="0"/>
-              <a:buChar char="•"/>
-            </a:pPr>
-            <a:r>
-              <a:rPr lang="en-US" altLang="en-US" sz="1800" dirty="0">
-                <a:solidFill>
-                  <a:srgbClr val="262626"/>
-                </a:solidFill>
-              </a:rPr>
-              <a:t>Strut:</a:t>
-            </a:r>
-            <a:endParaRPr lang="en-US" altLang="en-US" sz="1800" dirty="0">
-              <a:solidFill>
-                <a:srgbClr val="262626"/>
-              </a:solidFill>
-            </a:endParaRPr>
-          </a:p>
-          <a:p>
-            <a:pPr marL="228600" lvl="0" indent="-228600" defTabSz="342900">
-              <a:lnSpc>
-                <a:spcPct val="120000"/>
-              </a:lnSpc>
-              <a:buFont typeface="Arial" panose="020B0604020202020204" pitchFamily="34" charset="0"/>
-              <a:buChar char="•"/>
-            </a:pPr>
-            <a:r>
-              <a:rPr lang="en-US" altLang="en-US" sz="1800" dirty="0">
-                <a:solidFill>
-                  <a:srgbClr val="262626"/>
-                </a:solidFill>
-              </a:rPr>
-              <a:t>struct UserStruct {</a:t>
-            </a:r>
-            <a:endParaRPr lang="en-US" altLang="en-US" sz="1800" dirty="0">
-              <a:solidFill>
-                <a:srgbClr val="262626"/>
-              </a:solidFill>
-            </a:endParaRPr>
-          </a:p>
-          <a:p>
-            <a:pPr marL="228600" lvl="0" indent="-228600" defTabSz="342900">
-              <a:lnSpc>
-                <a:spcPct val="120000"/>
-              </a:lnSpc>
-              <a:buFont typeface="Arial" panose="020B0604020202020204" pitchFamily="34" charset="0"/>
-              <a:buChar char="•"/>
-            </a:pPr>
-            <a:r>
-              <a:rPr lang="en-US" altLang="en-US" sz="1800" dirty="0">
-                <a:solidFill>
-                  <a:srgbClr val="262626"/>
-                </a:solidFill>
-              </a:rPr>
-              <a:t> bytes32 userEmail;</a:t>
-            </a:r>
-            <a:endParaRPr lang="en-US" altLang="en-US" sz="1800" dirty="0">
-              <a:solidFill>
-                <a:srgbClr val="262626"/>
-              </a:solidFill>
-            </a:endParaRPr>
-          </a:p>
-          <a:p>
-            <a:pPr marL="228600" lvl="0" indent="-228600" defTabSz="342900">
-              <a:lnSpc>
-                <a:spcPct val="120000"/>
-              </a:lnSpc>
-              <a:buFont typeface="Arial" panose="020B0604020202020204" pitchFamily="34" charset="0"/>
-              <a:buChar char="•"/>
-            </a:pPr>
-            <a:r>
-              <a:rPr lang="en-US" altLang="en-US" sz="1800" dirty="0">
-                <a:solidFill>
-                  <a:srgbClr val="262626"/>
-                </a:solidFill>
-              </a:rPr>
-              <a:t> uint userAge;}</a:t>
-            </a:r>
-            <a:endParaRPr lang="en-US" altLang="en-US" sz="1800" dirty="0">
-              <a:solidFill>
-                <a:srgbClr val="262626"/>
-              </a:solidFill>
-            </a:endParaRPr>
-          </a:p>
-        </p:txBody>
-      </p:sp>
+        </p:txBody>
+      </p:sp>
+      <p:pic>
+        <p:nvPicPr>
+          <p:cNvPr id="4" name="图片 3"/>
+          <p:cNvPicPr>
+            <a:picLocks noChangeAspect="1"/>
+          </p:cNvPicPr>
+          <p:nvPr/>
+        </p:nvPicPr>
+        <p:blipFill>
+          <a:blip r:embed="rId1"/>
+          <a:stretch>
+            <a:fillRect/>
+          </a:stretch>
+        </p:blipFill>
+        <p:spPr>
+          <a:xfrm>
+            <a:off x="628650" y="1450975"/>
+            <a:ext cx="4467225" cy="3476625"/>
+          </a:xfrm>
+          <a:prstGeom prst="rect">
+            <a:avLst/>
+          </a:prstGeom>
+        </p:spPr>
+      </p:pic>
+      <p:pic>
+        <p:nvPicPr>
+          <p:cNvPr id="5" name="图片 4"/>
+          <p:cNvPicPr>
+            <a:picLocks noChangeAspect="1"/>
+          </p:cNvPicPr>
+          <p:nvPr/>
+        </p:nvPicPr>
+        <p:blipFill>
+          <a:blip r:embed="rId2"/>
+          <a:stretch>
+            <a:fillRect/>
+          </a:stretch>
+        </p:blipFill>
+        <p:spPr>
+          <a:xfrm>
+            <a:off x="5328920" y="1450975"/>
+            <a:ext cx="3505200" cy="2743200"/>
+          </a:xfrm>
+          <a:prstGeom prst="rect">
+            <a:avLst/>
+          </a:prstGeom>
+        </p:spPr>
+      </p:pic>
     </p:spTree>
   </p:cSld>
   <p:clrMapOvr>
